--- a/TEAM-10.pptx
+++ b/TEAM-10.pptx
@@ -270,7 +270,7 @@
           <a:p>
             <a:fld id="{6461E485-99E6-4520-98D2-87D30ECF6D0C}" type="datetimeFigureOut">
               <a:rPr lang="en-US" smtClean="0"/>
-              <a:t>9/6/2021</a:t>
+              <a:t>9/9/2021</a:t>
             </a:fld>
             <a:endParaRPr lang="en-US"/>
           </a:p>
@@ -468,7 +468,7 @@
           <a:p>
             <a:fld id="{6461E485-99E6-4520-98D2-87D30ECF6D0C}" type="datetimeFigureOut">
               <a:rPr lang="en-US" smtClean="0"/>
-              <a:t>9/6/2021</a:t>
+              <a:t>9/9/2021</a:t>
             </a:fld>
             <a:endParaRPr lang="en-US"/>
           </a:p>
@@ -676,7 +676,7 @@
           <a:p>
             <a:fld id="{6461E485-99E6-4520-98D2-87D30ECF6D0C}" type="datetimeFigureOut">
               <a:rPr lang="en-US" smtClean="0"/>
-              <a:t>9/6/2021</a:t>
+              <a:t>9/9/2021</a:t>
             </a:fld>
             <a:endParaRPr lang="en-US"/>
           </a:p>
@@ -874,7 +874,7 @@
           <a:p>
             <a:fld id="{6461E485-99E6-4520-98D2-87D30ECF6D0C}" type="datetimeFigureOut">
               <a:rPr lang="en-US" smtClean="0"/>
-              <a:t>9/6/2021</a:t>
+              <a:t>9/9/2021</a:t>
             </a:fld>
             <a:endParaRPr lang="en-US"/>
           </a:p>
@@ -1149,7 +1149,7 @@
           <a:p>
             <a:fld id="{6461E485-99E6-4520-98D2-87D30ECF6D0C}" type="datetimeFigureOut">
               <a:rPr lang="en-US" smtClean="0"/>
-              <a:t>9/6/2021</a:t>
+              <a:t>9/9/2021</a:t>
             </a:fld>
             <a:endParaRPr lang="en-US"/>
           </a:p>
@@ -1414,7 +1414,7 @@
           <a:p>
             <a:fld id="{6461E485-99E6-4520-98D2-87D30ECF6D0C}" type="datetimeFigureOut">
               <a:rPr lang="en-US" smtClean="0"/>
-              <a:t>9/6/2021</a:t>
+              <a:t>9/9/2021</a:t>
             </a:fld>
             <a:endParaRPr lang="en-US"/>
           </a:p>
@@ -1826,7 +1826,7 @@
           <a:p>
             <a:fld id="{6461E485-99E6-4520-98D2-87D30ECF6D0C}" type="datetimeFigureOut">
               <a:rPr lang="en-US" smtClean="0"/>
-              <a:t>9/6/2021</a:t>
+              <a:t>9/9/2021</a:t>
             </a:fld>
             <a:endParaRPr lang="en-US"/>
           </a:p>
@@ -1967,7 +1967,7 @@
           <a:p>
             <a:fld id="{6461E485-99E6-4520-98D2-87D30ECF6D0C}" type="datetimeFigureOut">
               <a:rPr lang="en-US" smtClean="0"/>
-              <a:t>9/6/2021</a:t>
+              <a:t>9/9/2021</a:t>
             </a:fld>
             <a:endParaRPr lang="en-US"/>
           </a:p>
@@ -2080,7 +2080,7 @@
           <a:p>
             <a:fld id="{6461E485-99E6-4520-98D2-87D30ECF6D0C}" type="datetimeFigureOut">
               <a:rPr lang="en-US" smtClean="0"/>
-              <a:t>9/6/2021</a:t>
+              <a:t>9/9/2021</a:t>
             </a:fld>
             <a:endParaRPr lang="en-US"/>
           </a:p>
@@ -2391,7 +2391,7 @@
           <a:p>
             <a:fld id="{6461E485-99E6-4520-98D2-87D30ECF6D0C}" type="datetimeFigureOut">
               <a:rPr lang="en-US" smtClean="0"/>
-              <a:t>9/6/2021</a:t>
+              <a:t>9/9/2021</a:t>
             </a:fld>
             <a:endParaRPr lang="en-US"/>
           </a:p>
@@ -2679,7 +2679,7 @@
           <a:p>
             <a:fld id="{6461E485-99E6-4520-98D2-87D30ECF6D0C}" type="datetimeFigureOut">
               <a:rPr lang="en-US" smtClean="0"/>
-              <a:t>9/6/2021</a:t>
+              <a:t>9/9/2021</a:t>
             </a:fld>
             <a:endParaRPr lang="en-US"/>
           </a:p>
@@ -2920,7 +2920,7 @@
           <a:p>
             <a:fld id="{6461E485-99E6-4520-98D2-87D30ECF6D0C}" type="datetimeFigureOut">
               <a:rPr lang="en-US" smtClean="0"/>
-              <a:t>9/6/2021</a:t>
+              <a:t>9/9/2021</a:t>
             </a:fld>
             <a:endParaRPr lang="en-US"/>
           </a:p>
@@ -3562,7 +3562,9 @@
         </p:nvSpPr>
         <p:spPr/>
         <p:txBody>
-          <a:bodyPr/>
+          <a:bodyPr>
+            <a:normAutofit lnSpcReduction="10000"/>
+          </a:bodyPr>
           <a:lstStyle/>
           <a:p>
             <a:pPr algn="l" rtl="0"/>
@@ -3741,6 +3743,170 @@
                 <a:hlinkClick r:id="rId7"/>
               </a:rPr>
               <a:t>https://www.phamduytung.com/blog/2019-05-05-deep-learning-dropout/</a:t>
+            </a:r>
+            <a:endParaRPr lang="en-US" b="0" i="0" u="sng" dirty="0">
+              <a:solidFill>
+                <a:srgbClr val="296EAA"/>
+              </a:solidFill>
+              <a:effectLst/>
+              <a:latin typeface="Helvetica Neue"/>
+            </a:endParaRPr>
+          </a:p>
+          <a:p>
+            <a:pPr algn="l" rtl="0"/>
+            <a:r>
+              <a:rPr lang="en-US" b="0" i="0" dirty="0">
+                <a:solidFill>
+                  <a:srgbClr val="000000"/>
+                </a:solidFill>
+                <a:effectLst/>
+                <a:latin typeface="Helvetica Neue"/>
+              </a:rPr>
+              <a:t>[7] </a:t>
+            </a:r>
+            <a:r>
+              <a:rPr lang="en-US" dirty="0" err="1">
+                <a:hlinkClick r:id="rId8"/>
+              </a:rPr>
+              <a:t>Xử</a:t>
+            </a:r>
+            <a:r>
+              <a:rPr lang="en-US" dirty="0">
+                <a:hlinkClick r:id="rId8"/>
+              </a:rPr>
+              <a:t> </a:t>
+            </a:r>
+            <a:r>
+              <a:rPr lang="en-US" dirty="0" err="1">
+                <a:hlinkClick r:id="rId8"/>
+              </a:rPr>
+              <a:t>lý</a:t>
+            </a:r>
+            <a:r>
+              <a:rPr lang="en-US" dirty="0">
+                <a:hlinkClick r:id="rId8"/>
+              </a:rPr>
+              <a:t> </a:t>
+            </a:r>
+            <a:r>
+              <a:rPr lang="en-US" dirty="0" err="1">
+                <a:hlinkClick r:id="rId8"/>
+              </a:rPr>
+              <a:t>các</a:t>
+            </a:r>
+            <a:r>
+              <a:rPr lang="en-US" dirty="0">
+                <a:hlinkClick r:id="rId8"/>
+              </a:rPr>
+              <a:t> </a:t>
+            </a:r>
+            <a:r>
+              <a:rPr lang="en-US" dirty="0" err="1">
+                <a:hlinkClick r:id="rId8"/>
+              </a:rPr>
+              <a:t>giá</a:t>
+            </a:r>
+            <a:r>
+              <a:rPr lang="en-US" dirty="0">
+                <a:hlinkClick r:id="rId8"/>
+              </a:rPr>
+              <a:t> </a:t>
+            </a:r>
+            <a:r>
+              <a:rPr lang="en-US" dirty="0" err="1">
+                <a:hlinkClick r:id="rId8"/>
+              </a:rPr>
+              <a:t>trị</a:t>
+            </a:r>
+            <a:r>
+              <a:rPr lang="en-US" dirty="0">
+                <a:hlinkClick r:id="rId8"/>
+              </a:rPr>
+              <a:t> </a:t>
+            </a:r>
+            <a:r>
+              <a:rPr lang="en-US" dirty="0" err="1">
+                <a:hlinkClick r:id="rId8"/>
+              </a:rPr>
+              <a:t>ngoại</a:t>
+            </a:r>
+            <a:r>
+              <a:rPr lang="en-US" dirty="0">
+                <a:hlinkClick r:id="rId8"/>
+              </a:rPr>
+              <a:t> </a:t>
+            </a:r>
+            <a:r>
+              <a:rPr lang="en-US" dirty="0" err="1">
+                <a:hlinkClick r:id="rId8"/>
+              </a:rPr>
+              <a:t>lệ</a:t>
+            </a:r>
+            <a:r>
+              <a:rPr lang="en-US" dirty="0">
+                <a:hlinkClick r:id="rId8"/>
+              </a:rPr>
+              <a:t> — Machine Learning </a:t>
+            </a:r>
+            <a:r>
+              <a:rPr lang="en-US" dirty="0" err="1">
+                <a:hlinkClick r:id="rId8"/>
+              </a:rPr>
+              <a:t>cho</a:t>
+            </a:r>
+            <a:r>
+              <a:rPr lang="en-US" dirty="0">
+                <a:hlinkClick r:id="rId8"/>
+              </a:rPr>
+              <a:t> </a:t>
+            </a:r>
+            <a:r>
+              <a:rPr lang="en-US" dirty="0" err="1">
+                <a:hlinkClick r:id="rId8"/>
+              </a:rPr>
+              <a:t>dữ</a:t>
+            </a:r>
+            <a:r>
+              <a:rPr lang="en-US" dirty="0">
+                <a:hlinkClick r:id="rId8"/>
+              </a:rPr>
+              <a:t> </a:t>
+            </a:r>
+            <a:r>
+              <a:rPr lang="en-US" dirty="0" err="1">
+                <a:hlinkClick r:id="rId8"/>
+              </a:rPr>
+              <a:t>liệu</a:t>
+            </a:r>
+            <a:r>
+              <a:rPr lang="en-US" dirty="0">
+                <a:hlinkClick r:id="rId8"/>
+              </a:rPr>
+              <a:t> </a:t>
+            </a:r>
+            <a:r>
+              <a:rPr lang="en-US" dirty="0" err="1">
+                <a:hlinkClick r:id="rId8"/>
+              </a:rPr>
+              <a:t>dạng</a:t>
+            </a:r>
+            <a:r>
+              <a:rPr lang="en-US" dirty="0">
+                <a:hlinkClick r:id="rId8"/>
+              </a:rPr>
+              <a:t> </a:t>
+            </a:r>
+            <a:r>
+              <a:rPr lang="en-US" dirty="0" err="1">
+                <a:hlinkClick r:id="rId8"/>
+              </a:rPr>
+              <a:t>bảng</a:t>
+            </a:r>
+            <a:r>
+              <a:rPr lang="en-US" dirty="0">
+                <a:hlinkClick r:id="rId8"/>
+              </a:rPr>
+              <a:t> (machinelearningcoban.com)</a:t>
             </a:r>
             <a:endParaRPr lang="en-US" b="0" i="0" dirty="0">
               <a:solidFill>
@@ -4727,10 +4893,10 @@
       </p:sp>
       <p:pic>
         <p:nvPicPr>
-          <p:cNvPr id="5" name="Picture 4">
-            <a:extLst>
-              <a:ext uri="{FF2B5EF4-FFF2-40B4-BE49-F238E27FC236}">
-                <a16:creationId xmlns:a16="http://schemas.microsoft.com/office/drawing/2014/main" id="{F89F1AB2-66F0-43FD-B039-16F6043C898B}"/>
+          <p:cNvPr id="6" name="Picture 5">
+            <a:extLst>
+              <a:ext uri="{FF2B5EF4-FFF2-40B4-BE49-F238E27FC236}">
+                <a16:creationId xmlns:a16="http://schemas.microsoft.com/office/drawing/2014/main" id="{549E7840-FAE8-4BD4-A07D-E23C9087C18B}"/>
               </a:ext>
             </a:extLst>
           </p:cNvPr>
@@ -4747,8 +4913,8 @@
         </p:blipFill>
         <p:spPr>
           <a:xfrm>
-            <a:off x="1147762" y="4001294"/>
-            <a:ext cx="5495925" cy="2057400"/>
+            <a:off x="1227014" y="4038600"/>
+            <a:ext cx="4735031" cy="2056938"/>
           </a:xfrm>
           <a:prstGeom prst="rect">
             <a:avLst/>
@@ -5201,10 +5367,10 @@
       </p:sp>
       <p:pic>
         <p:nvPicPr>
-          <p:cNvPr id="5" name="Picture 4">
-            <a:extLst>
-              <a:ext uri="{FF2B5EF4-FFF2-40B4-BE49-F238E27FC236}">
-                <a16:creationId xmlns:a16="http://schemas.microsoft.com/office/drawing/2014/main" id="{F6ADAE44-761F-4C19-8A04-58255905DCD2}"/>
+          <p:cNvPr id="6" name="Picture 5">
+            <a:extLst>
+              <a:ext uri="{FF2B5EF4-FFF2-40B4-BE49-F238E27FC236}">
+                <a16:creationId xmlns:a16="http://schemas.microsoft.com/office/drawing/2014/main" id="{B76ABF96-3656-4DAA-AF03-53B63C9D6440}"/>
               </a:ext>
             </a:extLst>
           </p:cNvPr>
@@ -5221,8 +5387,8 @@
         </p:blipFill>
         <p:spPr>
           <a:xfrm>
-            <a:off x="2134505" y="2642616"/>
-            <a:ext cx="9215345" cy="3962598"/>
+            <a:off x="1929671" y="2482024"/>
+            <a:ext cx="9625013" cy="4235006"/>
           </a:xfrm>
           <a:prstGeom prst="rect">
             <a:avLst/>

--- a/TEAM-10.pptx
+++ b/TEAM-10.pptx
@@ -11,12 +11,13 @@
     <p:sldId id="260" r:id="rId5"/>
     <p:sldId id="261" r:id="rId6"/>
     <p:sldId id="268" r:id="rId7"/>
-    <p:sldId id="262" r:id="rId8"/>
-    <p:sldId id="263" r:id="rId9"/>
-    <p:sldId id="264" r:id="rId10"/>
-    <p:sldId id="265" r:id="rId11"/>
-    <p:sldId id="266" r:id="rId12"/>
-    <p:sldId id="258" r:id="rId13"/>
+    <p:sldId id="269" r:id="rId8"/>
+    <p:sldId id="262" r:id="rId9"/>
+    <p:sldId id="263" r:id="rId10"/>
+    <p:sldId id="264" r:id="rId11"/>
+    <p:sldId id="265" r:id="rId12"/>
+    <p:sldId id="266" r:id="rId13"/>
+    <p:sldId id="258" r:id="rId14"/>
   </p:sldIdLst>
   <p:sldSz cx="12192000" cy="6858000"/>
   <p:notesSz cx="6858000" cy="9144000"/>
@@ -270,7 +271,7 @@
           <a:p>
             <a:fld id="{6461E485-99E6-4520-98D2-87D30ECF6D0C}" type="datetimeFigureOut">
               <a:rPr lang="en-US" smtClean="0"/>
-              <a:t>9/9/2021</a:t>
+              <a:t>9/10/2021</a:t>
             </a:fld>
             <a:endParaRPr lang="en-US"/>
           </a:p>
@@ -468,7 +469,7 @@
           <a:p>
             <a:fld id="{6461E485-99E6-4520-98D2-87D30ECF6D0C}" type="datetimeFigureOut">
               <a:rPr lang="en-US" smtClean="0"/>
-              <a:t>9/9/2021</a:t>
+              <a:t>9/10/2021</a:t>
             </a:fld>
             <a:endParaRPr lang="en-US"/>
           </a:p>
@@ -676,7 +677,7 @@
           <a:p>
             <a:fld id="{6461E485-99E6-4520-98D2-87D30ECF6D0C}" type="datetimeFigureOut">
               <a:rPr lang="en-US" smtClean="0"/>
-              <a:t>9/9/2021</a:t>
+              <a:t>9/10/2021</a:t>
             </a:fld>
             <a:endParaRPr lang="en-US"/>
           </a:p>
@@ -874,7 +875,7 @@
           <a:p>
             <a:fld id="{6461E485-99E6-4520-98D2-87D30ECF6D0C}" type="datetimeFigureOut">
               <a:rPr lang="en-US" smtClean="0"/>
-              <a:t>9/9/2021</a:t>
+              <a:t>9/10/2021</a:t>
             </a:fld>
             <a:endParaRPr lang="en-US"/>
           </a:p>
@@ -1149,7 +1150,7 @@
           <a:p>
             <a:fld id="{6461E485-99E6-4520-98D2-87D30ECF6D0C}" type="datetimeFigureOut">
               <a:rPr lang="en-US" smtClean="0"/>
-              <a:t>9/9/2021</a:t>
+              <a:t>9/10/2021</a:t>
             </a:fld>
             <a:endParaRPr lang="en-US"/>
           </a:p>
@@ -1414,7 +1415,7 @@
           <a:p>
             <a:fld id="{6461E485-99E6-4520-98D2-87D30ECF6D0C}" type="datetimeFigureOut">
               <a:rPr lang="en-US" smtClean="0"/>
-              <a:t>9/9/2021</a:t>
+              <a:t>9/10/2021</a:t>
             </a:fld>
             <a:endParaRPr lang="en-US"/>
           </a:p>
@@ -1826,7 +1827,7 @@
           <a:p>
             <a:fld id="{6461E485-99E6-4520-98D2-87D30ECF6D0C}" type="datetimeFigureOut">
               <a:rPr lang="en-US" smtClean="0"/>
-              <a:t>9/9/2021</a:t>
+              <a:t>9/10/2021</a:t>
             </a:fld>
             <a:endParaRPr lang="en-US"/>
           </a:p>
@@ -1967,7 +1968,7 @@
           <a:p>
             <a:fld id="{6461E485-99E6-4520-98D2-87D30ECF6D0C}" type="datetimeFigureOut">
               <a:rPr lang="en-US" smtClean="0"/>
-              <a:t>9/9/2021</a:t>
+              <a:t>9/10/2021</a:t>
             </a:fld>
             <a:endParaRPr lang="en-US"/>
           </a:p>
@@ -2080,7 +2081,7 @@
           <a:p>
             <a:fld id="{6461E485-99E6-4520-98D2-87D30ECF6D0C}" type="datetimeFigureOut">
               <a:rPr lang="en-US" smtClean="0"/>
-              <a:t>9/9/2021</a:t>
+              <a:t>9/10/2021</a:t>
             </a:fld>
             <a:endParaRPr lang="en-US"/>
           </a:p>
@@ -2391,7 +2392,7 @@
           <a:p>
             <a:fld id="{6461E485-99E6-4520-98D2-87D30ECF6D0C}" type="datetimeFigureOut">
               <a:rPr lang="en-US" smtClean="0"/>
-              <a:t>9/9/2021</a:t>
+              <a:t>9/10/2021</a:t>
             </a:fld>
             <a:endParaRPr lang="en-US"/>
           </a:p>
@@ -2679,7 +2680,7 @@
           <a:p>
             <a:fld id="{6461E485-99E6-4520-98D2-87D30ECF6D0C}" type="datetimeFigureOut">
               <a:rPr lang="en-US" smtClean="0"/>
-              <a:t>9/9/2021</a:t>
+              <a:t>9/10/2021</a:t>
             </a:fld>
             <a:endParaRPr lang="en-US"/>
           </a:p>
@@ -2920,7 +2921,7 @@
           <a:p>
             <a:fld id="{6461E485-99E6-4520-98D2-87D30ECF6D0C}" type="datetimeFigureOut">
               <a:rPr lang="en-US" smtClean="0"/>
-              <a:t>9/9/2021</a:t>
+              <a:t>9/10/2021</a:t>
             </a:fld>
             <a:endParaRPr lang="en-US"/>
           </a:p>
@@ -3415,1528 +3416,6 @@
 <file path=ppt/slides/slide10.xml><?xml version="1.0" encoding="utf-8"?>
 <p:sld xmlns:a="http://schemas.openxmlformats.org/drawingml/2006/main" xmlns:r="http://schemas.openxmlformats.org/officeDocument/2006/relationships" xmlns:p="http://schemas.openxmlformats.org/presentationml/2006/main">
   <p:cSld>
-    <p:spTree>
-      <p:nvGrpSpPr>
-        <p:cNvPr id="1" name=""/>
-        <p:cNvGrpSpPr/>
-        <p:nvPr/>
-      </p:nvGrpSpPr>
-      <p:grpSpPr>
-        <a:xfrm>
-          <a:off x="0" y="0"/>
-          <a:ext cx="0" cy="0"/>
-          <a:chOff x="0" y="0"/>
-          <a:chExt cx="0" cy="0"/>
-        </a:xfrm>
-      </p:grpSpPr>
-      <p:sp>
-        <p:nvSpPr>
-          <p:cNvPr id="2" name="Title 1">
-            <a:extLst>
-              <a:ext uri="{FF2B5EF4-FFF2-40B4-BE49-F238E27FC236}">
-                <a16:creationId xmlns:a16="http://schemas.microsoft.com/office/drawing/2014/main" id="{DFA1A692-B9D3-441A-BFF5-09462D9C302D}"/>
-              </a:ext>
-            </a:extLst>
-          </p:cNvPr>
-          <p:cNvSpPr>
-            <a:spLocks noGrp="1"/>
-          </p:cNvSpPr>
-          <p:nvPr>
-            <p:ph type="title"/>
-          </p:nvPr>
-        </p:nvSpPr>
-        <p:spPr/>
-        <p:txBody>
-          <a:bodyPr/>
-          <a:lstStyle/>
-          <a:p>
-            <a:r>
-              <a:rPr lang="en-US" dirty="0"/>
-              <a:t>V. Reflection</a:t>
-            </a:r>
-          </a:p>
-        </p:txBody>
-      </p:sp>
-      <p:pic>
-        <p:nvPicPr>
-          <p:cNvPr id="5" name="Content Placeholder 4">
-            <a:extLst>
-              <a:ext uri="{FF2B5EF4-FFF2-40B4-BE49-F238E27FC236}">
-                <a16:creationId xmlns:a16="http://schemas.microsoft.com/office/drawing/2014/main" id="{C4073B76-4A39-48C1-B8D4-809EE5825BC7}"/>
-              </a:ext>
-            </a:extLst>
-          </p:cNvPr>
-          <p:cNvPicPr>
-            <a:picLocks noGrp="1" noChangeAspect="1"/>
-          </p:cNvPicPr>
-          <p:nvPr>
-            <p:ph idx="1"/>
-          </p:nvPr>
-        </p:nvPicPr>
-        <p:blipFill>
-          <a:blip r:embed="rId2"/>
-          <a:stretch>
-            <a:fillRect/>
-          </a:stretch>
-        </p:blipFill>
-        <p:spPr>
-          <a:xfrm>
-            <a:off x="838199" y="1381105"/>
-            <a:ext cx="10601325" cy="4881584"/>
-          </a:xfrm>
-        </p:spPr>
-      </p:pic>
-    </p:spTree>
-    <p:extLst>
-      <p:ext uri="{BB962C8B-B14F-4D97-AF65-F5344CB8AC3E}">
-        <p14:creationId xmlns:p14="http://schemas.microsoft.com/office/powerpoint/2010/main" val="1336849537"/>
-      </p:ext>
-    </p:extLst>
-  </p:cSld>
-  <p:clrMapOvr>
-    <a:masterClrMapping/>
-  </p:clrMapOvr>
-</p:sld>
-</file>
-
-<file path=ppt/slides/slide11.xml><?xml version="1.0" encoding="utf-8"?>
-<p:sld xmlns:a="http://schemas.openxmlformats.org/drawingml/2006/main" xmlns:r="http://schemas.openxmlformats.org/officeDocument/2006/relationships" xmlns:p="http://schemas.openxmlformats.org/presentationml/2006/main">
-  <p:cSld>
-    <p:spTree>
-      <p:nvGrpSpPr>
-        <p:cNvPr id="1" name=""/>
-        <p:cNvGrpSpPr/>
-        <p:nvPr/>
-      </p:nvGrpSpPr>
-      <p:grpSpPr>
-        <a:xfrm>
-          <a:off x="0" y="0"/>
-          <a:ext cx="0" cy="0"/>
-          <a:chOff x="0" y="0"/>
-          <a:chExt cx="0" cy="0"/>
-        </a:xfrm>
-      </p:grpSpPr>
-      <p:sp>
-        <p:nvSpPr>
-          <p:cNvPr id="2" name="Title 1">
-            <a:extLst>
-              <a:ext uri="{FF2B5EF4-FFF2-40B4-BE49-F238E27FC236}">
-                <a16:creationId xmlns:a16="http://schemas.microsoft.com/office/drawing/2014/main" id="{DFA1A692-B9D3-441A-BFF5-09462D9C302D}"/>
-              </a:ext>
-            </a:extLst>
-          </p:cNvPr>
-          <p:cNvSpPr>
-            <a:spLocks noGrp="1"/>
-          </p:cNvSpPr>
-          <p:nvPr>
-            <p:ph type="title"/>
-          </p:nvPr>
-        </p:nvSpPr>
-        <p:spPr/>
-        <p:txBody>
-          <a:bodyPr/>
-          <a:lstStyle/>
-          <a:p>
-            <a:r>
-              <a:rPr lang="en-US" dirty="0"/>
-              <a:t>VI. Reference</a:t>
-            </a:r>
-          </a:p>
-        </p:txBody>
-      </p:sp>
-      <p:sp>
-        <p:nvSpPr>
-          <p:cNvPr id="3" name="Content Placeholder 2">
-            <a:extLst>
-              <a:ext uri="{FF2B5EF4-FFF2-40B4-BE49-F238E27FC236}">
-                <a16:creationId xmlns:a16="http://schemas.microsoft.com/office/drawing/2014/main" id="{589B3D16-4AD2-421E-909C-946D88BA6E2A}"/>
-              </a:ext>
-            </a:extLst>
-          </p:cNvPr>
-          <p:cNvSpPr>
-            <a:spLocks noGrp="1"/>
-          </p:cNvSpPr>
-          <p:nvPr>
-            <p:ph idx="1"/>
-          </p:nvPr>
-        </p:nvSpPr>
-        <p:spPr/>
-        <p:txBody>
-          <a:bodyPr>
-            <a:normAutofit lnSpcReduction="10000"/>
-          </a:bodyPr>
-          <a:lstStyle/>
-          <a:p>
-            <a:pPr algn="l" rtl="0"/>
-            <a:r>
-              <a:rPr lang="en-US" b="0" i="0" dirty="0">
-                <a:solidFill>
-                  <a:srgbClr val="000000"/>
-                </a:solidFill>
-                <a:effectLst/>
-                <a:latin typeface="Helvetica Neue"/>
-              </a:rPr>
-              <a:t>[1] </a:t>
-            </a:r>
-            <a:r>
-              <a:rPr lang="en-US" b="0" i="0" u="sng" dirty="0">
-                <a:solidFill>
-                  <a:srgbClr val="296EAA"/>
-                </a:solidFill>
-                <a:effectLst/>
-                <a:latin typeface="Helvetica Neue"/>
-                <a:hlinkClick r:id="rId2"/>
-              </a:rPr>
-              <a:t>https://towardsdatascience.com/deep-neural-networks-for-regression-problems-81321897ca33</a:t>
-            </a:r>
-            <a:endParaRPr lang="en-US" b="0" i="0" dirty="0">
-              <a:solidFill>
-                <a:srgbClr val="000000"/>
-              </a:solidFill>
-              <a:effectLst/>
-              <a:latin typeface="Helvetica Neue"/>
-            </a:endParaRPr>
-          </a:p>
-          <a:p>
-            <a:pPr algn="l" rtl="0"/>
-            <a:r>
-              <a:rPr lang="en-US" b="0" i="0" dirty="0">
-                <a:solidFill>
-                  <a:srgbClr val="000000"/>
-                </a:solidFill>
-                <a:effectLst/>
-                <a:latin typeface="Helvetica Neue"/>
-              </a:rPr>
-              <a:t>[2] </a:t>
-            </a:r>
-            <a:r>
-              <a:rPr lang="en-US" b="0" i="0" u="sng" dirty="0">
-                <a:solidFill>
-                  <a:srgbClr val="296EAA"/>
-                </a:solidFill>
-                <a:effectLst/>
-                <a:latin typeface="Helvetica Neue"/>
-                <a:hlinkClick r:id="rId3"/>
-              </a:rPr>
-              <a:t>https://axieinfinity.com/</a:t>
-            </a:r>
-            <a:endParaRPr lang="en-US" b="0" i="0" dirty="0">
-              <a:solidFill>
-                <a:srgbClr val="000000"/>
-              </a:solidFill>
-              <a:effectLst/>
-              <a:latin typeface="Helvetica Neue"/>
-            </a:endParaRPr>
-          </a:p>
-          <a:p>
-            <a:pPr algn="l" rtl="0"/>
-            <a:r>
-              <a:rPr lang="en-US" b="0" i="0" dirty="0">
-                <a:solidFill>
-                  <a:srgbClr val="000000"/>
-                </a:solidFill>
-                <a:effectLst/>
-                <a:latin typeface="Helvetica Neue"/>
-              </a:rPr>
-              <a:t>[3] </a:t>
-            </a:r>
-            <a:r>
-              <a:rPr lang="en-US" b="0" i="0" u="sng" dirty="0">
-                <a:solidFill>
-                  <a:srgbClr val="296EAA"/>
-                </a:solidFill>
-                <a:effectLst/>
-                <a:latin typeface="Helvetica Neue"/>
-                <a:hlinkClick r:id="rId4"/>
-              </a:rPr>
-              <a:t>https://docs.opensea.io/reference/api-overview</a:t>
-            </a:r>
-            <a:endParaRPr lang="en-US" b="0" i="0" dirty="0">
-              <a:solidFill>
-                <a:srgbClr val="000000"/>
-              </a:solidFill>
-              <a:effectLst/>
-              <a:latin typeface="Helvetica Neue"/>
-            </a:endParaRPr>
-          </a:p>
-          <a:p>
-            <a:pPr algn="l" rtl="0"/>
-            <a:r>
-              <a:rPr lang="en-US" b="0" i="0" dirty="0">
-                <a:solidFill>
-                  <a:srgbClr val="000000"/>
-                </a:solidFill>
-                <a:effectLst/>
-                <a:latin typeface="Helvetica Neue"/>
-              </a:rPr>
-              <a:t>[4] </a:t>
-            </a:r>
-            <a:r>
-              <a:rPr lang="en-US" b="0" i="0" u="sng" dirty="0">
-                <a:solidFill>
-                  <a:srgbClr val="296EAA"/>
-                </a:solidFill>
-                <a:effectLst/>
-                <a:latin typeface="Helvetica Neue"/>
-                <a:hlinkClick r:id="rId5"/>
-              </a:rPr>
-              <a:t>https://www.pytorchlightning.ai/</a:t>
-            </a:r>
-            <a:endParaRPr lang="en-US" b="0" i="0" dirty="0">
-              <a:solidFill>
-                <a:srgbClr val="000000"/>
-              </a:solidFill>
-              <a:effectLst/>
-              <a:latin typeface="Helvetica Neue"/>
-            </a:endParaRPr>
-          </a:p>
-          <a:p>
-            <a:pPr algn="l" rtl="0"/>
-            <a:r>
-              <a:rPr lang="en-US" b="0" i="0" dirty="0">
-                <a:solidFill>
-                  <a:srgbClr val="000000"/>
-                </a:solidFill>
-                <a:effectLst/>
-                <a:latin typeface="Helvetica Neue"/>
-              </a:rPr>
-              <a:t>[5] </a:t>
-            </a:r>
-            <a:r>
-              <a:rPr lang="en-US" b="0" i="0" u="sng" dirty="0">
-                <a:solidFill>
-                  <a:srgbClr val="296EAA"/>
-                </a:solidFill>
-                <a:effectLst/>
-                <a:latin typeface="Helvetica Neue"/>
-                <a:hlinkClick r:id="rId6"/>
-              </a:rPr>
-              <a:t>https://docs.mongodb.com/tools/</a:t>
-            </a:r>
-            <a:endParaRPr lang="en-US" b="0" i="0" dirty="0">
-              <a:solidFill>
-                <a:srgbClr val="000000"/>
-              </a:solidFill>
-              <a:effectLst/>
-              <a:latin typeface="Helvetica Neue"/>
-            </a:endParaRPr>
-          </a:p>
-          <a:p>
-            <a:pPr algn="l" rtl="0"/>
-            <a:r>
-              <a:rPr lang="en-US" b="0" i="0" dirty="0">
-                <a:solidFill>
-                  <a:srgbClr val="000000"/>
-                </a:solidFill>
-                <a:effectLst/>
-                <a:latin typeface="Helvetica Neue"/>
-              </a:rPr>
-              <a:t>[6] </a:t>
-            </a:r>
-            <a:r>
-              <a:rPr lang="en-US" b="0" i="0" u="sng" dirty="0">
-                <a:solidFill>
-                  <a:srgbClr val="296EAA"/>
-                </a:solidFill>
-                <a:effectLst/>
-                <a:latin typeface="Helvetica Neue"/>
-                <a:hlinkClick r:id="rId7"/>
-              </a:rPr>
-              <a:t>https://www.phamduytung.com/blog/2019-05-05-deep-learning-dropout/</a:t>
-            </a:r>
-            <a:endParaRPr lang="en-US" b="0" i="0" u="sng" dirty="0">
-              <a:solidFill>
-                <a:srgbClr val="296EAA"/>
-              </a:solidFill>
-              <a:effectLst/>
-              <a:latin typeface="Helvetica Neue"/>
-            </a:endParaRPr>
-          </a:p>
-          <a:p>
-            <a:pPr algn="l" rtl="0"/>
-            <a:r>
-              <a:rPr lang="en-US" b="0" i="0" dirty="0">
-                <a:solidFill>
-                  <a:srgbClr val="000000"/>
-                </a:solidFill>
-                <a:effectLst/>
-                <a:latin typeface="Helvetica Neue"/>
-              </a:rPr>
-              <a:t>[7] </a:t>
-            </a:r>
-            <a:r>
-              <a:rPr lang="en-US" dirty="0" err="1">
-                <a:hlinkClick r:id="rId8"/>
-              </a:rPr>
-              <a:t>Xử</a:t>
-            </a:r>
-            <a:r>
-              <a:rPr lang="en-US" dirty="0">
-                <a:hlinkClick r:id="rId8"/>
-              </a:rPr>
-              <a:t> </a:t>
-            </a:r>
-            <a:r>
-              <a:rPr lang="en-US" dirty="0" err="1">
-                <a:hlinkClick r:id="rId8"/>
-              </a:rPr>
-              <a:t>lý</a:t>
-            </a:r>
-            <a:r>
-              <a:rPr lang="en-US" dirty="0">
-                <a:hlinkClick r:id="rId8"/>
-              </a:rPr>
-              <a:t> </a:t>
-            </a:r>
-            <a:r>
-              <a:rPr lang="en-US" dirty="0" err="1">
-                <a:hlinkClick r:id="rId8"/>
-              </a:rPr>
-              <a:t>các</a:t>
-            </a:r>
-            <a:r>
-              <a:rPr lang="en-US" dirty="0">
-                <a:hlinkClick r:id="rId8"/>
-              </a:rPr>
-              <a:t> </a:t>
-            </a:r>
-            <a:r>
-              <a:rPr lang="en-US" dirty="0" err="1">
-                <a:hlinkClick r:id="rId8"/>
-              </a:rPr>
-              <a:t>giá</a:t>
-            </a:r>
-            <a:r>
-              <a:rPr lang="en-US" dirty="0">
-                <a:hlinkClick r:id="rId8"/>
-              </a:rPr>
-              <a:t> </a:t>
-            </a:r>
-            <a:r>
-              <a:rPr lang="en-US" dirty="0" err="1">
-                <a:hlinkClick r:id="rId8"/>
-              </a:rPr>
-              <a:t>trị</a:t>
-            </a:r>
-            <a:r>
-              <a:rPr lang="en-US" dirty="0">
-                <a:hlinkClick r:id="rId8"/>
-              </a:rPr>
-              <a:t> </a:t>
-            </a:r>
-            <a:r>
-              <a:rPr lang="en-US" dirty="0" err="1">
-                <a:hlinkClick r:id="rId8"/>
-              </a:rPr>
-              <a:t>ngoại</a:t>
-            </a:r>
-            <a:r>
-              <a:rPr lang="en-US" dirty="0">
-                <a:hlinkClick r:id="rId8"/>
-              </a:rPr>
-              <a:t> </a:t>
-            </a:r>
-            <a:r>
-              <a:rPr lang="en-US" dirty="0" err="1">
-                <a:hlinkClick r:id="rId8"/>
-              </a:rPr>
-              <a:t>lệ</a:t>
-            </a:r>
-            <a:r>
-              <a:rPr lang="en-US" dirty="0">
-                <a:hlinkClick r:id="rId8"/>
-              </a:rPr>
-              <a:t> — Machine Learning </a:t>
-            </a:r>
-            <a:r>
-              <a:rPr lang="en-US" dirty="0" err="1">
-                <a:hlinkClick r:id="rId8"/>
-              </a:rPr>
-              <a:t>cho</a:t>
-            </a:r>
-            <a:r>
-              <a:rPr lang="en-US" dirty="0">
-                <a:hlinkClick r:id="rId8"/>
-              </a:rPr>
-              <a:t> </a:t>
-            </a:r>
-            <a:r>
-              <a:rPr lang="en-US" dirty="0" err="1">
-                <a:hlinkClick r:id="rId8"/>
-              </a:rPr>
-              <a:t>dữ</a:t>
-            </a:r>
-            <a:r>
-              <a:rPr lang="en-US" dirty="0">
-                <a:hlinkClick r:id="rId8"/>
-              </a:rPr>
-              <a:t> </a:t>
-            </a:r>
-            <a:r>
-              <a:rPr lang="en-US" dirty="0" err="1">
-                <a:hlinkClick r:id="rId8"/>
-              </a:rPr>
-              <a:t>liệu</a:t>
-            </a:r>
-            <a:r>
-              <a:rPr lang="en-US" dirty="0">
-                <a:hlinkClick r:id="rId8"/>
-              </a:rPr>
-              <a:t> </a:t>
-            </a:r>
-            <a:r>
-              <a:rPr lang="en-US" dirty="0" err="1">
-                <a:hlinkClick r:id="rId8"/>
-              </a:rPr>
-              <a:t>dạng</a:t>
-            </a:r>
-            <a:r>
-              <a:rPr lang="en-US" dirty="0">
-                <a:hlinkClick r:id="rId8"/>
-              </a:rPr>
-              <a:t> </a:t>
-            </a:r>
-            <a:r>
-              <a:rPr lang="en-US" dirty="0" err="1">
-                <a:hlinkClick r:id="rId8"/>
-              </a:rPr>
-              <a:t>bảng</a:t>
-            </a:r>
-            <a:r>
-              <a:rPr lang="en-US" dirty="0">
-                <a:hlinkClick r:id="rId8"/>
-              </a:rPr>
-              <a:t> (machinelearningcoban.com)</a:t>
-            </a:r>
-            <a:endParaRPr lang="en-US" b="0" i="0" dirty="0">
-              <a:solidFill>
-                <a:srgbClr val="000000"/>
-              </a:solidFill>
-              <a:effectLst/>
-              <a:latin typeface="Helvetica Neue"/>
-            </a:endParaRPr>
-          </a:p>
-        </p:txBody>
-      </p:sp>
-    </p:spTree>
-    <p:extLst>
-      <p:ext uri="{BB962C8B-B14F-4D97-AF65-F5344CB8AC3E}">
-        <p14:creationId xmlns:p14="http://schemas.microsoft.com/office/powerpoint/2010/main" val="192332132"/>
-      </p:ext>
-    </p:extLst>
-  </p:cSld>
-  <p:clrMapOvr>
-    <a:masterClrMapping/>
-  </p:clrMapOvr>
-</p:sld>
-</file>
-
-<file path=ppt/slides/slide12.xml><?xml version="1.0" encoding="utf-8"?>
-<p:sld xmlns:a="http://schemas.openxmlformats.org/drawingml/2006/main" xmlns:r="http://schemas.openxmlformats.org/officeDocument/2006/relationships" xmlns:p="http://schemas.openxmlformats.org/presentationml/2006/main">
-  <p:cSld>
-    <p:spTree>
-      <p:nvGrpSpPr>
-        <p:cNvPr id="1" name=""/>
-        <p:cNvGrpSpPr/>
-        <p:nvPr/>
-      </p:nvGrpSpPr>
-      <p:grpSpPr>
-        <a:xfrm>
-          <a:off x="0" y="0"/>
-          <a:ext cx="0" cy="0"/>
-          <a:chOff x="0" y="0"/>
-          <a:chExt cx="0" cy="0"/>
-        </a:xfrm>
-      </p:grpSpPr>
-      <p:sp>
-        <p:nvSpPr>
-          <p:cNvPr id="2" name="Title 1">
-            <a:extLst>
-              <a:ext uri="{FF2B5EF4-FFF2-40B4-BE49-F238E27FC236}">
-                <a16:creationId xmlns:a16="http://schemas.microsoft.com/office/drawing/2014/main" id="{E0D8983B-AB88-440F-A9D3-189F51E02F79}"/>
-              </a:ext>
-            </a:extLst>
-          </p:cNvPr>
-          <p:cNvSpPr>
-            <a:spLocks noGrp="1"/>
-          </p:cNvSpPr>
-          <p:nvPr>
-            <p:ph type="title"/>
-          </p:nvPr>
-        </p:nvSpPr>
-        <p:spPr>
-          <a:xfrm>
-            <a:off x="-227120" y="2237172"/>
-            <a:ext cx="12043298" cy="2205593"/>
-          </a:xfrm>
-        </p:spPr>
-        <p:txBody>
-          <a:bodyPr/>
-          <a:lstStyle/>
-          <a:p>
-            <a:pPr algn="ctr"/>
-            <a:r>
-              <a:rPr lang="en-US" dirty="0"/>
-              <a:t>END</a:t>
-            </a:r>
-          </a:p>
-        </p:txBody>
-      </p:sp>
-    </p:spTree>
-    <p:extLst>
-      <p:ext uri="{BB962C8B-B14F-4D97-AF65-F5344CB8AC3E}">
-        <p14:creationId xmlns:p14="http://schemas.microsoft.com/office/powerpoint/2010/main" val="2449386569"/>
-      </p:ext>
-    </p:extLst>
-  </p:cSld>
-  <p:clrMapOvr>
-    <a:masterClrMapping/>
-  </p:clrMapOvr>
-</p:sld>
-</file>
-
-<file path=ppt/slides/slide2.xml><?xml version="1.0" encoding="utf-8"?>
-<p:sld xmlns:a="http://schemas.openxmlformats.org/drawingml/2006/main" xmlns:r="http://schemas.openxmlformats.org/officeDocument/2006/relationships" xmlns:p="http://schemas.openxmlformats.org/presentationml/2006/main">
-  <p:cSld>
-    <p:spTree>
-      <p:nvGrpSpPr>
-        <p:cNvPr id="1" name=""/>
-        <p:cNvGrpSpPr/>
-        <p:nvPr/>
-      </p:nvGrpSpPr>
-      <p:grpSpPr>
-        <a:xfrm>
-          <a:off x="0" y="0"/>
-          <a:ext cx="0" cy="0"/>
-          <a:chOff x="0" y="0"/>
-          <a:chExt cx="0" cy="0"/>
-        </a:xfrm>
-      </p:grpSpPr>
-      <p:sp>
-        <p:nvSpPr>
-          <p:cNvPr id="2" name="Title 1">
-            <a:extLst>
-              <a:ext uri="{FF2B5EF4-FFF2-40B4-BE49-F238E27FC236}">
-                <a16:creationId xmlns:a16="http://schemas.microsoft.com/office/drawing/2014/main" id="{B83C9656-2D74-47B4-B5E9-62FBC267B87E}"/>
-              </a:ext>
-            </a:extLst>
-          </p:cNvPr>
-          <p:cNvSpPr>
-            <a:spLocks noGrp="1"/>
-          </p:cNvSpPr>
-          <p:nvPr>
-            <p:ph type="title"/>
-          </p:nvPr>
-        </p:nvSpPr>
-        <p:spPr/>
-        <p:txBody>
-          <a:bodyPr/>
-          <a:lstStyle/>
-          <a:p>
-            <a:r>
-              <a:rPr lang="en-US" dirty="0"/>
-              <a:t>I. Introduce </a:t>
-            </a:r>
-          </a:p>
-        </p:txBody>
-      </p:sp>
-      <p:sp>
-        <p:nvSpPr>
-          <p:cNvPr id="3" name="Content Placeholder 2">
-            <a:extLst>
-              <a:ext uri="{FF2B5EF4-FFF2-40B4-BE49-F238E27FC236}">
-                <a16:creationId xmlns:a16="http://schemas.microsoft.com/office/drawing/2014/main" id="{C02D55D5-FEA9-4CF2-8FA8-ED79158D99EE}"/>
-              </a:ext>
-            </a:extLst>
-          </p:cNvPr>
-          <p:cNvSpPr>
-            <a:spLocks noGrp="1"/>
-          </p:cNvSpPr>
-          <p:nvPr>
-            <p:ph idx="1"/>
-          </p:nvPr>
-        </p:nvSpPr>
-        <p:spPr/>
-        <p:txBody>
-          <a:bodyPr/>
-          <a:lstStyle/>
-          <a:p>
-            <a:r>
-              <a:rPr lang="en-US" dirty="0" err="1"/>
-              <a:t>Axie</a:t>
-            </a:r>
-            <a:r>
-              <a:rPr lang="en-US" dirty="0"/>
-              <a:t> Infinity ? </a:t>
-            </a:r>
-          </a:p>
-          <a:p>
-            <a:r>
-              <a:rPr lang="en-US" dirty="0" err="1"/>
-              <a:t>Opensea</a:t>
-            </a:r>
-            <a:r>
-              <a:rPr lang="en-US" dirty="0"/>
-              <a:t> ? </a:t>
-            </a:r>
-          </a:p>
-          <a:p>
-            <a:r>
-              <a:rPr lang="en-US" dirty="0"/>
-              <a:t>NFT ?</a:t>
-            </a:r>
-          </a:p>
-          <a:p>
-            <a:endParaRPr lang="en-US" dirty="0"/>
-          </a:p>
-        </p:txBody>
-      </p:sp>
-    </p:spTree>
-    <p:extLst>
-      <p:ext uri="{BB962C8B-B14F-4D97-AF65-F5344CB8AC3E}">
-        <p14:creationId xmlns:p14="http://schemas.microsoft.com/office/powerpoint/2010/main" val="3547449353"/>
-      </p:ext>
-    </p:extLst>
-  </p:cSld>
-  <p:clrMapOvr>
-    <a:masterClrMapping/>
-  </p:clrMapOvr>
-</p:sld>
-</file>
-
-<file path=ppt/slides/slide3.xml><?xml version="1.0" encoding="utf-8"?>
-<p:sld xmlns:a="http://schemas.openxmlformats.org/drawingml/2006/main" xmlns:r="http://schemas.openxmlformats.org/officeDocument/2006/relationships" xmlns:p="http://schemas.openxmlformats.org/presentationml/2006/main">
-  <p:cSld>
-    <p:spTree>
-      <p:nvGrpSpPr>
-        <p:cNvPr id="1" name=""/>
-        <p:cNvGrpSpPr/>
-        <p:nvPr/>
-      </p:nvGrpSpPr>
-      <p:grpSpPr>
-        <a:xfrm>
-          <a:off x="0" y="0"/>
-          <a:ext cx="0" cy="0"/>
-          <a:chOff x="0" y="0"/>
-          <a:chExt cx="0" cy="0"/>
-        </a:xfrm>
-      </p:grpSpPr>
-      <p:sp>
-        <p:nvSpPr>
-          <p:cNvPr id="2" name="Title 1">
-            <a:extLst>
-              <a:ext uri="{FF2B5EF4-FFF2-40B4-BE49-F238E27FC236}">
-                <a16:creationId xmlns:a16="http://schemas.microsoft.com/office/drawing/2014/main" id="{DFA1A692-B9D3-441A-BFF5-09462D9C302D}"/>
-              </a:ext>
-            </a:extLst>
-          </p:cNvPr>
-          <p:cNvSpPr>
-            <a:spLocks noGrp="1"/>
-          </p:cNvSpPr>
-          <p:nvPr>
-            <p:ph type="title"/>
-          </p:nvPr>
-        </p:nvSpPr>
-        <p:spPr/>
-        <p:txBody>
-          <a:bodyPr/>
-          <a:lstStyle/>
-          <a:p>
-            <a:r>
-              <a:rPr lang="en-US" dirty="0"/>
-              <a:t>II. Collect data</a:t>
-            </a:r>
-          </a:p>
-        </p:txBody>
-      </p:sp>
-      <p:sp>
-        <p:nvSpPr>
-          <p:cNvPr id="3" name="Content Placeholder 2">
-            <a:extLst>
-              <a:ext uri="{FF2B5EF4-FFF2-40B4-BE49-F238E27FC236}">
-                <a16:creationId xmlns:a16="http://schemas.microsoft.com/office/drawing/2014/main" id="{589B3D16-4AD2-421E-909C-946D88BA6E2A}"/>
-              </a:ext>
-            </a:extLst>
-          </p:cNvPr>
-          <p:cNvSpPr>
-            <a:spLocks noGrp="1"/>
-          </p:cNvSpPr>
-          <p:nvPr>
-            <p:ph idx="1"/>
-          </p:nvPr>
-        </p:nvSpPr>
-        <p:spPr/>
-        <p:txBody>
-          <a:bodyPr/>
-          <a:lstStyle/>
-          <a:p>
-            <a:r>
-              <a:rPr lang="en-US" dirty="0"/>
-              <a:t>MongoDB</a:t>
-            </a:r>
-          </a:p>
-          <a:p>
-            <a:r>
-              <a:rPr lang="en-US" dirty="0" err="1"/>
-              <a:t>OpenseaAPI</a:t>
-            </a:r>
-            <a:endParaRPr lang="en-US" dirty="0"/>
-          </a:p>
-          <a:p>
-            <a:r>
-              <a:rPr lang="en-US" dirty="0" err="1"/>
-              <a:t>Axie</a:t>
-            </a:r>
-            <a:r>
-              <a:rPr lang="en-US" dirty="0"/>
-              <a:t> Marketplace</a:t>
-            </a:r>
-          </a:p>
-          <a:p>
-            <a:endParaRPr lang="en-US" dirty="0"/>
-          </a:p>
-          <a:p>
-            <a:endParaRPr lang="en-US" dirty="0"/>
-          </a:p>
-        </p:txBody>
-      </p:sp>
-    </p:spTree>
-    <p:extLst>
-      <p:ext uri="{BB962C8B-B14F-4D97-AF65-F5344CB8AC3E}">
-        <p14:creationId xmlns:p14="http://schemas.microsoft.com/office/powerpoint/2010/main" val="884397229"/>
-      </p:ext>
-    </p:extLst>
-  </p:cSld>
-  <p:clrMapOvr>
-    <a:masterClrMapping/>
-  </p:clrMapOvr>
-</p:sld>
-</file>
-
-<file path=ppt/slides/slide4.xml><?xml version="1.0" encoding="utf-8"?>
-<p:sld xmlns:a="http://schemas.openxmlformats.org/drawingml/2006/main" xmlns:r="http://schemas.openxmlformats.org/officeDocument/2006/relationships" xmlns:p="http://schemas.openxmlformats.org/presentationml/2006/main">
-  <p:cSld>
-    <p:spTree>
-      <p:nvGrpSpPr>
-        <p:cNvPr id="1" name=""/>
-        <p:cNvGrpSpPr/>
-        <p:nvPr/>
-      </p:nvGrpSpPr>
-      <p:grpSpPr>
-        <a:xfrm>
-          <a:off x="0" y="0"/>
-          <a:ext cx="0" cy="0"/>
-          <a:chOff x="0" y="0"/>
-          <a:chExt cx="0" cy="0"/>
-        </a:xfrm>
-      </p:grpSpPr>
-      <p:sp>
-        <p:nvSpPr>
-          <p:cNvPr id="2" name="Title 1">
-            <a:extLst>
-              <a:ext uri="{FF2B5EF4-FFF2-40B4-BE49-F238E27FC236}">
-                <a16:creationId xmlns:a16="http://schemas.microsoft.com/office/drawing/2014/main" id="{DFA1A692-B9D3-441A-BFF5-09462D9C302D}"/>
-              </a:ext>
-            </a:extLst>
-          </p:cNvPr>
-          <p:cNvSpPr>
-            <a:spLocks noGrp="1"/>
-          </p:cNvSpPr>
-          <p:nvPr>
-            <p:ph type="title"/>
-          </p:nvPr>
-        </p:nvSpPr>
-        <p:spPr/>
-        <p:txBody>
-          <a:bodyPr/>
-          <a:lstStyle/>
-          <a:p>
-            <a:r>
-              <a:rPr lang="en-US" dirty="0"/>
-              <a:t>III. Explore data </a:t>
-            </a:r>
-          </a:p>
-        </p:txBody>
-      </p:sp>
-      <p:sp>
-        <p:nvSpPr>
-          <p:cNvPr id="3" name="Content Placeholder 2">
-            <a:extLst>
-              <a:ext uri="{FF2B5EF4-FFF2-40B4-BE49-F238E27FC236}">
-                <a16:creationId xmlns:a16="http://schemas.microsoft.com/office/drawing/2014/main" id="{589B3D16-4AD2-421E-909C-946D88BA6E2A}"/>
-              </a:ext>
-            </a:extLst>
-          </p:cNvPr>
-          <p:cNvSpPr>
-            <a:spLocks noGrp="1"/>
-          </p:cNvSpPr>
-          <p:nvPr>
-            <p:ph idx="1"/>
-          </p:nvPr>
-        </p:nvSpPr>
-        <p:spPr/>
-        <p:txBody>
-          <a:bodyPr/>
-          <a:lstStyle/>
-          <a:p>
-            <a:r>
-              <a:rPr lang="en-US" dirty="0"/>
-              <a:t>Preprocessing data ( duplicates, null).</a:t>
-            </a:r>
-          </a:p>
-          <a:p>
-            <a:r>
-              <a:rPr lang="en-US" dirty="0"/>
-              <a:t>Know info of columns.</a:t>
-            </a:r>
-          </a:p>
-          <a:p>
-            <a:r>
-              <a:rPr lang="en-US" dirty="0"/>
-              <a:t>Analysis data ( popular, top, total, number, trade, buyer, seller….)</a:t>
-            </a:r>
-          </a:p>
-          <a:p>
-            <a:r>
-              <a:rPr lang="en-US" dirty="0"/>
-              <a:t>Overview of data we have.</a:t>
-            </a:r>
-          </a:p>
-        </p:txBody>
-      </p:sp>
-    </p:spTree>
-    <p:extLst>
-      <p:ext uri="{BB962C8B-B14F-4D97-AF65-F5344CB8AC3E}">
-        <p14:creationId xmlns:p14="http://schemas.microsoft.com/office/powerpoint/2010/main" val="322298159"/>
-      </p:ext>
-    </p:extLst>
-  </p:cSld>
-  <p:clrMapOvr>
-    <a:masterClrMapping/>
-  </p:clrMapOvr>
-</p:sld>
-</file>
-
-<file path=ppt/slides/slide5.xml><?xml version="1.0" encoding="utf-8"?>
-<p:sld xmlns:a="http://schemas.openxmlformats.org/drawingml/2006/main" xmlns:r="http://schemas.openxmlformats.org/officeDocument/2006/relationships" xmlns:p="http://schemas.openxmlformats.org/presentationml/2006/main">
-  <p:cSld>
-    <p:spTree>
-      <p:nvGrpSpPr>
-        <p:cNvPr id="1" name=""/>
-        <p:cNvGrpSpPr/>
-        <p:nvPr/>
-      </p:nvGrpSpPr>
-      <p:grpSpPr>
-        <a:xfrm>
-          <a:off x="0" y="0"/>
-          <a:ext cx="0" cy="0"/>
-          <a:chOff x="0" y="0"/>
-          <a:chExt cx="0" cy="0"/>
-        </a:xfrm>
-      </p:grpSpPr>
-      <p:sp>
-        <p:nvSpPr>
-          <p:cNvPr id="2" name="Title 1">
-            <a:extLst>
-              <a:ext uri="{FF2B5EF4-FFF2-40B4-BE49-F238E27FC236}">
-                <a16:creationId xmlns:a16="http://schemas.microsoft.com/office/drawing/2014/main" id="{DFA1A692-B9D3-441A-BFF5-09462D9C302D}"/>
-              </a:ext>
-            </a:extLst>
-          </p:cNvPr>
-          <p:cNvSpPr>
-            <a:spLocks noGrp="1"/>
-          </p:cNvSpPr>
-          <p:nvPr>
-            <p:ph type="title"/>
-          </p:nvPr>
-        </p:nvSpPr>
-        <p:spPr/>
-        <p:txBody>
-          <a:bodyPr/>
-          <a:lstStyle/>
-          <a:p>
-            <a:r>
-              <a:rPr lang="en-US" dirty="0"/>
-              <a:t>IV. Model</a:t>
-            </a:r>
-          </a:p>
-        </p:txBody>
-      </p:sp>
-      <p:sp>
-        <p:nvSpPr>
-          <p:cNvPr id="3" name="Content Placeholder 2">
-            <a:extLst>
-              <a:ext uri="{FF2B5EF4-FFF2-40B4-BE49-F238E27FC236}">
-                <a16:creationId xmlns:a16="http://schemas.microsoft.com/office/drawing/2014/main" id="{589B3D16-4AD2-421E-909C-946D88BA6E2A}"/>
-              </a:ext>
-            </a:extLst>
-          </p:cNvPr>
-          <p:cNvSpPr>
-            <a:spLocks noGrp="1"/>
-          </p:cNvSpPr>
-          <p:nvPr>
-            <p:ph idx="1"/>
-          </p:nvPr>
-        </p:nvSpPr>
-        <p:spPr/>
-        <p:txBody>
-          <a:bodyPr/>
-          <a:lstStyle/>
-          <a:p>
-            <a:r>
-              <a:rPr lang="en-US" dirty="0"/>
-              <a:t>Preprocess :</a:t>
-            </a:r>
-          </a:p>
-          <a:p>
-            <a:r>
-              <a:rPr lang="en-US" dirty="0"/>
-              <a:t>+ </a:t>
-            </a:r>
-            <a:r>
-              <a:rPr lang="en-US" dirty="0" err="1"/>
-              <a:t>bodyshape</a:t>
-            </a:r>
-            <a:r>
-              <a:rPr lang="en-US" dirty="0"/>
-              <a:t> : Name - &gt; int</a:t>
-            </a:r>
-          </a:p>
-          <a:p>
-            <a:r>
-              <a:rPr lang="en-US" dirty="0"/>
-              <a:t>+ class : Name -&gt; int</a:t>
-            </a:r>
-          </a:p>
-          <a:p>
-            <a:endParaRPr lang="en-US" dirty="0"/>
-          </a:p>
-        </p:txBody>
-      </p:sp>
-      <p:pic>
-        <p:nvPicPr>
-          <p:cNvPr id="5" name="Picture 4">
-            <a:extLst>
-              <a:ext uri="{FF2B5EF4-FFF2-40B4-BE49-F238E27FC236}">
-                <a16:creationId xmlns:a16="http://schemas.microsoft.com/office/drawing/2014/main" id="{88EB9CA7-9BA9-4944-A876-FD733A530F03}"/>
-              </a:ext>
-            </a:extLst>
-          </p:cNvPr>
-          <p:cNvPicPr>
-            <a:picLocks noChangeAspect="1"/>
-          </p:cNvPicPr>
-          <p:nvPr/>
-        </p:nvPicPr>
-        <p:blipFill>
-          <a:blip r:embed="rId2"/>
-          <a:stretch>
-            <a:fillRect/>
-          </a:stretch>
-        </p:blipFill>
-        <p:spPr>
-          <a:xfrm>
-            <a:off x="838200" y="3467497"/>
-            <a:ext cx="10873586" cy="572294"/>
-          </a:xfrm>
-          <a:prstGeom prst="rect">
-            <a:avLst/>
-          </a:prstGeom>
-        </p:spPr>
-      </p:pic>
-      <p:pic>
-        <p:nvPicPr>
-          <p:cNvPr id="7" name="Picture 6">
-            <a:extLst>
-              <a:ext uri="{FF2B5EF4-FFF2-40B4-BE49-F238E27FC236}">
-                <a16:creationId xmlns:a16="http://schemas.microsoft.com/office/drawing/2014/main" id="{AA6B8075-127D-4F79-9C4A-EB8D524E721A}"/>
-              </a:ext>
-            </a:extLst>
-          </p:cNvPr>
-          <p:cNvPicPr>
-            <a:picLocks noChangeAspect="1"/>
-          </p:cNvPicPr>
-          <p:nvPr/>
-        </p:nvPicPr>
-        <p:blipFill>
-          <a:blip r:embed="rId3"/>
-          <a:stretch>
-            <a:fillRect/>
-          </a:stretch>
-        </p:blipFill>
-        <p:spPr>
-          <a:xfrm>
-            <a:off x="1042987" y="4421006"/>
-            <a:ext cx="10873586" cy="360544"/>
-          </a:xfrm>
-          <a:prstGeom prst="rect">
-            <a:avLst/>
-          </a:prstGeom>
-        </p:spPr>
-      </p:pic>
-    </p:spTree>
-    <p:extLst>
-      <p:ext uri="{BB962C8B-B14F-4D97-AF65-F5344CB8AC3E}">
-        <p14:creationId xmlns:p14="http://schemas.microsoft.com/office/powerpoint/2010/main" val="2164169242"/>
-      </p:ext>
-    </p:extLst>
-  </p:cSld>
-  <p:clrMapOvr>
-    <a:masterClrMapping/>
-  </p:clrMapOvr>
-</p:sld>
-</file>
-
-<file path=ppt/slides/slide6.xml><?xml version="1.0" encoding="utf-8"?>
-<p:sld xmlns:a="http://schemas.openxmlformats.org/drawingml/2006/main" xmlns:r="http://schemas.openxmlformats.org/officeDocument/2006/relationships" xmlns:p="http://schemas.openxmlformats.org/presentationml/2006/main">
-  <p:cSld>
-    <p:spTree>
-      <p:nvGrpSpPr>
-        <p:cNvPr id="1" name=""/>
-        <p:cNvGrpSpPr/>
-        <p:nvPr/>
-      </p:nvGrpSpPr>
-      <p:grpSpPr>
-        <a:xfrm>
-          <a:off x="0" y="0"/>
-          <a:ext cx="0" cy="0"/>
-          <a:chOff x="0" y="0"/>
-          <a:chExt cx="0" cy="0"/>
-        </a:xfrm>
-      </p:grpSpPr>
-      <p:sp>
-        <p:nvSpPr>
-          <p:cNvPr id="2" name="Title 1">
-            <a:extLst>
-              <a:ext uri="{FF2B5EF4-FFF2-40B4-BE49-F238E27FC236}">
-                <a16:creationId xmlns:a16="http://schemas.microsoft.com/office/drawing/2014/main" id="{DFA1A692-B9D3-441A-BFF5-09462D9C302D}"/>
-              </a:ext>
-            </a:extLst>
-          </p:cNvPr>
-          <p:cNvSpPr>
-            <a:spLocks noGrp="1"/>
-          </p:cNvSpPr>
-          <p:nvPr>
-            <p:ph type="title"/>
-          </p:nvPr>
-        </p:nvSpPr>
-        <p:spPr/>
-        <p:txBody>
-          <a:bodyPr/>
-          <a:lstStyle/>
-          <a:p>
-            <a:r>
-              <a:rPr lang="en-US" dirty="0"/>
-              <a:t>IV. Model</a:t>
-            </a:r>
-          </a:p>
-        </p:txBody>
-      </p:sp>
-      <p:sp>
-        <p:nvSpPr>
-          <p:cNvPr id="3" name="Content Placeholder 2">
-            <a:extLst>
-              <a:ext uri="{FF2B5EF4-FFF2-40B4-BE49-F238E27FC236}">
-                <a16:creationId xmlns:a16="http://schemas.microsoft.com/office/drawing/2014/main" id="{589B3D16-4AD2-421E-909C-946D88BA6E2A}"/>
-              </a:ext>
-            </a:extLst>
-          </p:cNvPr>
-          <p:cNvSpPr>
-            <a:spLocks noGrp="1"/>
-          </p:cNvSpPr>
-          <p:nvPr>
-            <p:ph idx="1"/>
-          </p:nvPr>
-        </p:nvSpPr>
-        <p:spPr/>
-        <p:txBody>
-          <a:bodyPr/>
-          <a:lstStyle/>
-          <a:p>
-            <a:r>
-              <a:rPr lang="en-US" dirty="0"/>
-              <a:t>Preprocess :</a:t>
-            </a:r>
-          </a:p>
-          <a:p>
-            <a:r>
-              <a:rPr lang="en-US" dirty="0"/>
-              <a:t>+ Price ETH : gas </a:t>
-            </a:r>
-            <a:r>
-              <a:rPr lang="en-US" dirty="0" err="1"/>
-              <a:t>wei</a:t>
-            </a:r>
-            <a:r>
-              <a:rPr lang="en-US" dirty="0"/>
-              <a:t> - &gt;  eth</a:t>
-            </a:r>
-          </a:p>
-          <a:p>
-            <a:r>
-              <a:rPr lang="en-US" dirty="0"/>
-              <a:t>+ Card id : Name -&gt; int</a:t>
-            </a:r>
-          </a:p>
-        </p:txBody>
-      </p:sp>
-      <p:pic>
-        <p:nvPicPr>
-          <p:cNvPr id="6" name="Picture 5">
-            <a:extLst>
-              <a:ext uri="{FF2B5EF4-FFF2-40B4-BE49-F238E27FC236}">
-                <a16:creationId xmlns:a16="http://schemas.microsoft.com/office/drawing/2014/main" id="{27844EF0-D676-4EB9-874F-B2AF1A0A8131}"/>
-              </a:ext>
-            </a:extLst>
-          </p:cNvPr>
-          <p:cNvPicPr>
-            <a:picLocks noChangeAspect="1"/>
-          </p:cNvPicPr>
-          <p:nvPr/>
-        </p:nvPicPr>
-        <p:blipFill>
-          <a:blip r:embed="rId2"/>
-          <a:stretch>
-            <a:fillRect/>
-          </a:stretch>
-        </p:blipFill>
-        <p:spPr>
-          <a:xfrm>
-            <a:off x="6338887" y="1299209"/>
-            <a:ext cx="3529013" cy="4420554"/>
-          </a:xfrm>
-          <a:prstGeom prst="rect">
-            <a:avLst/>
-          </a:prstGeom>
-        </p:spPr>
-      </p:pic>
-      <p:pic>
-        <p:nvPicPr>
-          <p:cNvPr id="9" name="Picture 8">
-            <a:extLst>
-              <a:ext uri="{FF2B5EF4-FFF2-40B4-BE49-F238E27FC236}">
-                <a16:creationId xmlns:a16="http://schemas.microsoft.com/office/drawing/2014/main" id="{67B6770D-85C5-4523-AE51-01F8CCAE5D4C}"/>
-              </a:ext>
-            </a:extLst>
-          </p:cNvPr>
-          <p:cNvPicPr>
-            <a:picLocks noChangeAspect="1"/>
-          </p:cNvPicPr>
-          <p:nvPr/>
-        </p:nvPicPr>
-        <p:blipFill>
-          <a:blip r:embed="rId3"/>
-          <a:stretch>
-            <a:fillRect/>
-          </a:stretch>
-        </p:blipFill>
-        <p:spPr>
-          <a:xfrm>
-            <a:off x="1204912" y="3509486"/>
-            <a:ext cx="4257675" cy="2686050"/>
-          </a:xfrm>
-          <a:prstGeom prst="rect">
-            <a:avLst/>
-          </a:prstGeom>
-        </p:spPr>
-      </p:pic>
-    </p:spTree>
-    <p:extLst>
-      <p:ext uri="{BB962C8B-B14F-4D97-AF65-F5344CB8AC3E}">
-        <p14:creationId xmlns:p14="http://schemas.microsoft.com/office/powerpoint/2010/main" val="1865090460"/>
-      </p:ext>
-    </p:extLst>
-  </p:cSld>
-  <p:clrMapOvr>
-    <a:masterClrMapping/>
-  </p:clrMapOvr>
-</p:sld>
-</file>
-
-<file path=ppt/slides/slide7.xml><?xml version="1.0" encoding="utf-8"?>
-<p:sld xmlns:a="http://schemas.openxmlformats.org/drawingml/2006/main" xmlns:r="http://schemas.openxmlformats.org/officeDocument/2006/relationships" xmlns:p="http://schemas.openxmlformats.org/presentationml/2006/main">
-  <p:cSld>
-    <p:spTree>
-      <p:nvGrpSpPr>
-        <p:cNvPr id="1" name=""/>
-        <p:cNvGrpSpPr/>
-        <p:nvPr/>
-      </p:nvGrpSpPr>
-      <p:grpSpPr>
-        <a:xfrm>
-          <a:off x="0" y="0"/>
-          <a:ext cx="0" cy="0"/>
-          <a:chOff x="0" y="0"/>
-          <a:chExt cx="0" cy="0"/>
-        </a:xfrm>
-      </p:grpSpPr>
-      <p:sp>
-        <p:nvSpPr>
-          <p:cNvPr id="2" name="Title 1">
-            <a:extLst>
-              <a:ext uri="{FF2B5EF4-FFF2-40B4-BE49-F238E27FC236}">
-                <a16:creationId xmlns:a16="http://schemas.microsoft.com/office/drawing/2014/main" id="{DFA1A692-B9D3-441A-BFF5-09462D9C302D}"/>
-              </a:ext>
-            </a:extLst>
-          </p:cNvPr>
-          <p:cNvSpPr>
-            <a:spLocks noGrp="1"/>
-          </p:cNvSpPr>
-          <p:nvPr>
-            <p:ph type="title"/>
-          </p:nvPr>
-        </p:nvSpPr>
-        <p:spPr/>
-        <p:txBody>
-          <a:bodyPr/>
-          <a:lstStyle/>
-          <a:p>
-            <a:r>
-              <a:rPr lang="en-US" dirty="0"/>
-              <a:t>IV. Model</a:t>
-            </a:r>
-          </a:p>
-        </p:txBody>
-      </p:sp>
-      <p:sp>
-        <p:nvSpPr>
-          <p:cNvPr id="3" name="Content Placeholder 2">
-            <a:extLst>
-              <a:ext uri="{FF2B5EF4-FFF2-40B4-BE49-F238E27FC236}">
-                <a16:creationId xmlns:a16="http://schemas.microsoft.com/office/drawing/2014/main" id="{589B3D16-4AD2-421E-909C-946D88BA6E2A}"/>
-              </a:ext>
-            </a:extLst>
-          </p:cNvPr>
-          <p:cNvSpPr>
-            <a:spLocks noGrp="1"/>
-          </p:cNvSpPr>
-          <p:nvPr>
-            <p:ph idx="1"/>
-          </p:nvPr>
-        </p:nvSpPr>
-        <p:spPr/>
-        <p:txBody>
-          <a:bodyPr/>
-          <a:lstStyle/>
-          <a:p>
-            <a:r>
-              <a:rPr lang="en-US" dirty="0"/>
-              <a:t>Split data : </a:t>
-            </a:r>
-          </a:p>
-          <a:p>
-            <a:r>
-              <a:rPr lang="en-US" dirty="0"/>
-              <a:t>+ train : 80%</a:t>
-            </a:r>
-          </a:p>
-          <a:p>
-            <a:r>
-              <a:rPr lang="en-US" dirty="0"/>
-              <a:t>+ validation : 10%</a:t>
-            </a:r>
-          </a:p>
-          <a:p>
-            <a:r>
-              <a:rPr lang="en-US" dirty="0"/>
-              <a:t>+ test : 10%</a:t>
-            </a:r>
-          </a:p>
-          <a:p>
-            <a:pPr marL="0" indent="0">
-              <a:buNone/>
-            </a:pPr>
-            <a:r>
-              <a:rPr lang="en-US" dirty="0"/>
-              <a:t> </a:t>
-            </a:r>
-          </a:p>
-        </p:txBody>
-      </p:sp>
-      <p:pic>
-        <p:nvPicPr>
-          <p:cNvPr id="5" name="Picture 4">
-            <a:extLst>
-              <a:ext uri="{FF2B5EF4-FFF2-40B4-BE49-F238E27FC236}">
-                <a16:creationId xmlns:a16="http://schemas.microsoft.com/office/drawing/2014/main" id="{98AEC3E1-758A-42F0-AAEA-BF0E89084E66}"/>
-              </a:ext>
-            </a:extLst>
-          </p:cNvPr>
-          <p:cNvPicPr>
-            <a:picLocks noChangeAspect="1"/>
-          </p:cNvPicPr>
-          <p:nvPr/>
-        </p:nvPicPr>
-        <p:blipFill>
-          <a:blip r:embed="rId2"/>
-          <a:stretch>
-            <a:fillRect/>
-          </a:stretch>
-        </p:blipFill>
-        <p:spPr>
-          <a:xfrm>
-            <a:off x="838200" y="4076700"/>
-            <a:ext cx="6637373" cy="1978025"/>
-          </a:xfrm>
-          <a:prstGeom prst="rect">
-            <a:avLst/>
-          </a:prstGeom>
-        </p:spPr>
-      </p:pic>
-    </p:spTree>
-    <p:extLst>
-      <p:ext uri="{BB962C8B-B14F-4D97-AF65-F5344CB8AC3E}">
-        <p14:creationId xmlns:p14="http://schemas.microsoft.com/office/powerpoint/2010/main" val="2628901096"/>
-      </p:ext>
-    </p:extLst>
-  </p:cSld>
-  <p:clrMapOvr>
-    <a:masterClrMapping/>
-  </p:clrMapOvr>
-</p:sld>
-</file>
-
-<file path=ppt/slides/slide8.xml><?xml version="1.0" encoding="utf-8"?>
-<p:sld xmlns:a="http://schemas.openxmlformats.org/drawingml/2006/main" xmlns:r="http://schemas.openxmlformats.org/officeDocument/2006/relationships" xmlns:p="http://schemas.openxmlformats.org/presentationml/2006/main">
-  <p:cSld>
-    <p:spTree>
-      <p:nvGrpSpPr>
-        <p:cNvPr id="1" name=""/>
-        <p:cNvGrpSpPr/>
-        <p:nvPr/>
-      </p:nvGrpSpPr>
-      <p:grpSpPr>
-        <a:xfrm>
-          <a:off x="0" y="0"/>
-          <a:ext cx="0" cy="0"/>
-          <a:chOff x="0" y="0"/>
-          <a:chExt cx="0" cy="0"/>
-        </a:xfrm>
-      </p:grpSpPr>
-      <p:sp>
-        <p:nvSpPr>
-          <p:cNvPr id="2" name="Title 1">
-            <a:extLst>
-              <a:ext uri="{FF2B5EF4-FFF2-40B4-BE49-F238E27FC236}">
-                <a16:creationId xmlns:a16="http://schemas.microsoft.com/office/drawing/2014/main" id="{DFA1A692-B9D3-441A-BFF5-09462D9C302D}"/>
-              </a:ext>
-            </a:extLst>
-          </p:cNvPr>
-          <p:cNvSpPr>
-            <a:spLocks noGrp="1"/>
-          </p:cNvSpPr>
-          <p:nvPr>
-            <p:ph type="title"/>
-          </p:nvPr>
-        </p:nvSpPr>
-        <p:spPr/>
-        <p:txBody>
-          <a:bodyPr/>
-          <a:lstStyle/>
-          <a:p>
-            <a:r>
-              <a:rPr lang="en-US" dirty="0"/>
-              <a:t>IV. Model</a:t>
-            </a:r>
-          </a:p>
-        </p:txBody>
-      </p:sp>
-      <p:sp>
-        <p:nvSpPr>
-          <p:cNvPr id="3" name="Content Placeholder 2">
-            <a:extLst>
-              <a:ext uri="{FF2B5EF4-FFF2-40B4-BE49-F238E27FC236}">
-                <a16:creationId xmlns:a16="http://schemas.microsoft.com/office/drawing/2014/main" id="{589B3D16-4AD2-421E-909C-946D88BA6E2A}"/>
-              </a:ext>
-            </a:extLst>
-          </p:cNvPr>
-          <p:cNvSpPr>
-            <a:spLocks noGrp="1"/>
-          </p:cNvSpPr>
-          <p:nvPr>
-            <p:ph idx="1"/>
-          </p:nvPr>
-        </p:nvSpPr>
-        <p:spPr/>
-        <p:txBody>
-          <a:bodyPr/>
-          <a:lstStyle/>
-          <a:p>
-            <a:r>
-              <a:rPr lang="en-US" dirty="0"/>
-              <a:t>Architect :</a:t>
-            </a:r>
-          </a:p>
-          <a:p>
-            <a:r>
-              <a:rPr lang="en-US" dirty="0"/>
-              <a:t>+3 Layer : 2 linear , 1 output</a:t>
-            </a:r>
-          </a:p>
-          <a:p>
-            <a:r>
-              <a:rPr lang="en-US" dirty="0"/>
-              <a:t>+ loss function : </a:t>
-            </a:r>
-            <a:r>
-              <a:rPr lang="en-US" dirty="0" err="1"/>
-              <a:t>MSEloss</a:t>
-            </a:r>
-            <a:endParaRPr lang="en-US" dirty="0"/>
-          </a:p>
-          <a:p>
-            <a:r>
-              <a:rPr lang="en-US" dirty="0"/>
-              <a:t>+ no activation function</a:t>
-            </a:r>
-          </a:p>
-        </p:txBody>
-      </p:sp>
-      <p:pic>
-        <p:nvPicPr>
-          <p:cNvPr id="6" name="Picture 5">
-            <a:extLst>
-              <a:ext uri="{FF2B5EF4-FFF2-40B4-BE49-F238E27FC236}">
-                <a16:creationId xmlns:a16="http://schemas.microsoft.com/office/drawing/2014/main" id="{549E7840-FAE8-4BD4-A07D-E23C9087C18B}"/>
-              </a:ext>
-            </a:extLst>
-          </p:cNvPr>
-          <p:cNvPicPr>
-            <a:picLocks noChangeAspect="1"/>
-          </p:cNvPicPr>
-          <p:nvPr/>
-        </p:nvPicPr>
-        <p:blipFill>
-          <a:blip r:embed="rId2"/>
-          <a:stretch>
-            <a:fillRect/>
-          </a:stretch>
-        </p:blipFill>
-        <p:spPr>
-          <a:xfrm>
-            <a:off x="1227014" y="4038600"/>
-            <a:ext cx="4735031" cy="2056938"/>
-          </a:xfrm>
-          <a:prstGeom prst="rect">
-            <a:avLst/>
-          </a:prstGeom>
-        </p:spPr>
-      </p:pic>
-    </p:spTree>
-    <p:extLst>
-      <p:ext uri="{BB962C8B-B14F-4D97-AF65-F5344CB8AC3E}">
-        <p14:creationId xmlns:p14="http://schemas.microsoft.com/office/powerpoint/2010/main" val="3229105088"/>
-      </p:ext>
-    </p:extLst>
-  </p:cSld>
-  <p:clrMapOvr>
-    <a:masterClrMapping/>
-  </p:clrMapOvr>
-</p:sld>
-</file>
-
-<file path=ppt/slides/slide9.xml><?xml version="1.0" encoding="utf-8"?>
-<p:sld xmlns:a="http://schemas.openxmlformats.org/drawingml/2006/main" xmlns:r="http://schemas.openxmlformats.org/officeDocument/2006/relationships" xmlns:p="http://schemas.openxmlformats.org/presentationml/2006/main">
-  <p:cSld>
     <p:bg>
       <p:bgPr>
         <a:solidFill>
@@ -5367,10 +3846,10 @@
       </p:sp>
       <p:pic>
         <p:nvPicPr>
-          <p:cNvPr id="6" name="Picture 5">
-            <a:extLst>
-              <a:ext uri="{FF2B5EF4-FFF2-40B4-BE49-F238E27FC236}">
-                <a16:creationId xmlns:a16="http://schemas.microsoft.com/office/drawing/2014/main" id="{B76ABF96-3656-4DAA-AF03-53B63C9D6440}"/>
+          <p:cNvPr id="5" name="Picture 4">
+            <a:extLst>
+              <a:ext uri="{FF2B5EF4-FFF2-40B4-BE49-F238E27FC236}">
+                <a16:creationId xmlns:a16="http://schemas.microsoft.com/office/drawing/2014/main" id="{39BB3763-D8D1-4153-9A1D-9B4FFF589450}"/>
               </a:ext>
             </a:extLst>
           </p:cNvPr>
@@ -5387,8 +3866,8 @@
         </p:blipFill>
         <p:spPr>
           <a:xfrm>
-            <a:off x="1929671" y="2482024"/>
-            <a:ext cx="9625013" cy="4235006"/>
+            <a:off x="1845564" y="2532467"/>
+            <a:ext cx="10051161" cy="4173641"/>
           </a:xfrm>
           <a:prstGeom prst="rect">
             <a:avLst/>
@@ -5399,6 +3878,1653 @@
     <p:extLst>
       <p:ext uri="{BB962C8B-B14F-4D97-AF65-F5344CB8AC3E}">
         <p14:creationId xmlns:p14="http://schemas.microsoft.com/office/powerpoint/2010/main" val="1542550247"/>
+      </p:ext>
+    </p:extLst>
+  </p:cSld>
+  <p:clrMapOvr>
+    <a:masterClrMapping/>
+  </p:clrMapOvr>
+</p:sld>
+</file>
+
+<file path=ppt/slides/slide11.xml><?xml version="1.0" encoding="utf-8"?>
+<p:sld xmlns:a="http://schemas.openxmlformats.org/drawingml/2006/main" xmlns:r="http://schemas.openxmlformats.org/officeDocument/2006/relationships" xmlns:p="http://schemas.openxmlformats.org/presentationml/2006/main">
+  <p:cSld>
+    <p:spTree>
+      <p:nvGrpSpPr>
+        <p:cNvPr id="1" name=""/>
+        <p:cNvGrpSpPr/>
+        <p:nvPr/>
+      </p:nvGrpSpPr>
+      <p:grpSpPr>
+        <a:xfrm>
+          <a:off x="0" y="0"/>
+          <a:ext cx="0" cy="0"/>
+          <a:chOff x="0" y="0"/>
+          <a:chExt cx="0" cy="0"/>
+        </a:xfrm>
+      </p:grpSpPr>
+      <p:sp>
+        <p:nvSpPr>
+          <p:cNvPr id="2" name="Title 1">
+            <a:extLst>
+              <a:ext uri="{FF2B5EF4-FFF2-40B4-BE49-F238E27FC236}">
+                <a16:creationId xmlns:a16="http://schemas.microsoft.com/office/drawing/2014/main" id="{DFA1A692-B9D3-441A-BFF5-09462D9C302D}"/>
+              </a:ext>
+            </a:extLst>
+          </p:cNvPr>
+          <p:cNvSpPr>
+            <a:spLocks noGrp="1"/>
+          </p:cNvSpPr>
+          <p:nvPr>
+            <p:ph type="title"/>
+          </p:nvPr>
+        </p:nvSpPr>
+        <p:spPr/>
+        <p:txBody>
+          <a:bodyPr/>
+          <a:lstStyle/>
+          <a:p>
+            <a:r>
+              <a:rPr lang="en-US" dirty="0"/>
+              <a:t>V. Reflection</a:t>
+            </a:r>
+          </a:p>
+        </p:txBody>
+      </p:sp>
+      <p:pic>
+        <p:nvPicPr>
+          <p:cNvPr id="5" name="Content Placeholder 4">
+            <a:extLst>
+              <a:ext uri="{FF2B5EF4-FFF2-40B4-BE49-F238E27FC236}">
+                <a16:creationId xmlns:a16="http://schemas.microsoft.com/office/drawing/2014/main" id="{C4073B76-4A39-48C1-B8D4-809EE5825BC7}"/>
+              </a:ext>
+            </a:extLst>
+          </p:cNvPr>
+          <p:cNvPicPr>
+            <a:picLocks noGrp="1" noChangeAspect="1"/>
+          </p:cNvPicPr>
+          <p:nvPr>
+            <p:ph idx="1"/>
+          </p:nvPr>
+        </p:nvPicPr>
+        <p:blipFill>
+          <a:blip r:embed="rId2"/>
+          <a:stretch>
+            <a:fillRect/>
+          </a:stretch>
+        </p:blipFill>
+        <p:spPr>
+          <a:xfrm>
+            <a:off x="838199" y="1381105"/>
+            <a:ext cx="10601325" cy="4881584"/>
+          </a:xfrm>
+        </p:spPr>
+      </p:pic>
+    </p:spTree>
+    <p:extLst>
+      <p:ext uri="{BB962C8B-B14F-4D97-AF65-F5344CB8AC3E}">
+        <p14:creationId xmlns:p14="http://schemas.microsoft.com/office/powerpoint/2010/main" val="1336849537"/>
+      </p:ext>
+    </p:extLst>
+  </p:cSld>
+  <p:clrMapOvr>
+    <a:masterClrMapping/>
+  </p:clrMapOvr>
+</p:sld>
+</file>
+
+<file path=ppt/slides/slide12.xml><?xml version="1.0" encoding="utf-8"?>
+<p:sld xmlns:a="http://schemas.openxmlformats.org/drawingml/2006/main" xmlns:r="http://schemas.openxmlformats.org/officeDocument/2006/relationships" xmlns:p="http://schemas.openxmlformats.org/presentationml/2006/main">
+  <p:cSld>
+    <p:spTree>
+      <p:nvGrpSpPr>
+        <p:cNvPr id="1" name=""/>
+        <p:cNvGrpSpPr/>
+        <p:nvPr/>
+      </p:nvGrpSpPr>
+      <p:grpSpPr>
+        <a:xfrm>
+          <a:off x="0" y="0"/>
+          <a:ext cx="0" cy="0"/>
+          <a:chOff x="0" y="0"/>
+          <a:chExt cx="0" cy="0"/>
+        </a:xfrm>
+      </p:grpSpPr>
+      <p:sp>
+        <p:nvSpPr>
+          <p:cNvPr id="2" name="Title 1">
+            <a:extLst>
+              <a:ext uri="{FF2B5EF4-FFF2-40B4-BE49-F238E27FC236}">
+                <a16:creationId xmlns:a16="http://schemas.microsoft.com/office/drawing/2014/main" id="{DFA1A692-B9D3-441A-BFF5-09462D9C302D}"/>
+              </a:ext>
+            </a:extLst>
+          </p:cNvPr>
+          <p:cNvSpPr>
+            <a:spLocks noGrp="1"/>
+          </p:cNvSpPr>
+          <p:nvPr>
+            <p:ph type="title"/>
+          </p:nvPr>
+        </p:nvSpPr>
+        <p:spPr/>
+        <p:txBody>
+          <a:bodyPr/>
+          <a:lstStyle/>
+          <a:p>
+            <a:r>
+              <a:rPr lang="en-US" dirty="0"/>
+              <a:t>VI. Reference</a:t>
+            </a:r>
+          </a:p>
+        </p:txBody>
+      </p:sp>
+      <p:sp>
+        <p:nvSpPr>
+          <p:cNvPr id="3" name="Content Placeholder 2">
+            <a:extLst>
+              <a:ext uri="{FF2B5EF4-FFF2-40B4-BE49-F238E27FC236}">
+                <a16:creationId xmlns:a16="http://schemas.microsoft.com/office/drawing/2014/main" id="{589B3D16-4AD2-421E-909C-946D88BA6E2A}"/>
+              </a:ext>
+            </a:extLst>
+          </p:cNvPr>
+          <p:cNvSpPr>
+            <a:spLocks noGrp="1"/>
+          </p:cNvSpPr>
+          <p:nvPr>
+            <p:ph idx="1"/>
+          </p:nvPr>
+        </p:nvSpPr>
+        <p:spPr/>
+        <p:txBody>
+          <a:bodyPr>
+            <a:normAutofit lnSpcReduction="10000"/>
+          </a:bodyPr>
+          <a:lstStyle/>
+          <a:p>
+            <a:pPr algn="l" rtl="0"/>
+            <a:r>
+              <a:rPr lang="en-US" b="0" i="0" dirty="0">
+                <a:solidFill>
+                  <a:srgbClr val="000000"/>
+                </a:solidFill>
+                <a:effectLst/>
+                <a:latin typeface="Helvetica Neue"/>
+              </a:rPr>
+              <a:t>[1] </a:t>
+            </a:r>
+            <a:r>
+              <a:rPr lang="en-US" b="0" i="0" u="sng" dirty="0">
+                <a:solidFill>
+                  <a:srgbClr val="296EAA"/>
+                </a:solidFill>
+                <a:effectLst/>
+                <a:latin typeface="Helvetica Neue"/>
+                <a:hlinkClick r:id="rId2"/>
+              </a:rPr>
+              <a:t>https://towardsdatascience.com/deep-neural-networks-for-regression-problems-81321897ca33</a:t>
+            </a:r>
+            <a:endParaRPr lang="en-US" b="0" i="0" dirty="0">
+              <a:solidFill>
+                <a:srgbClr val="000000"/>
+              </a:solidFill>
+              <a:effectLst/>
+              <a:latin typeface="Helvetica Neue"/>
+            </a:endParaRPr>
+          </a:p>
+          <a:p>
+            <a:pPr algn="l" rtl="0"/>
+            <a:r>
+              <a:rPr lang="en-US" b="0" i="0" dirty="0">
+                <a:solidFill>
+                  <a:srgbClr val="000000"/>
+                </a:solidFill>
+                <a:effectLst/>
+                <a:latin typeface="Helvetica Neue"/>
+              </a:rPr>
+              <a:t>[2] </a:t>
+            </a:r>
+            <a:r>
+              <a:rPr lang="en-US" b="0" i="0" u="sng" dirty="0">
+                <a:solidFill>
+                  <a:srgbClr val="296EAA"/>
+                </a:solidFill>
+                <a:effectLst/>
+                <a:latin typeface="Helvetica Neue"/>
+                <a:hlinkClick r:id="rId3"/>
+              </a:rPr>
+              <a:t>https://axieinfinity.com/</a:t>
+            </a:r>
+            <a:endParaRPr lang="en-US" b="0" i="0" dirty="0">
+              <a:solidFill>
+                <a:srgbClr val="000000"/>
+              </a:solidFill>
+              <a:effectLst/>
+              <a:latin typeface="Helvetica Neue"/>
+            </a:endParaRPr>
+          </a:p>
+          <a:p>
+            <a:pPr algn="l" rtl="0"/>
+            <a:r>
+              <a:rPr lang="en-US" b="0" i="0" dirty="0">
+                <a:solidFill>
+                  <a:srgbClr val="000000"/>
+                </a:solidFill>
+                <a:effectLst/>
+                <a:latin typeface="Helvetica Neue"/>
+              </a:rPr>
+              <a:t>[3] </a:t>
+            </a:r>
+            <a:r>
+              <a:rPr lang="en-US" b="0" i="0" u="sng" dirty="0">
+                <a:solidFill>
+                  <a:srgbClr val="296EAA"/>
+                </a:solidFill>
+                <a:effectLst/>
+                <a:latin typeface="Helvetica Neue"/>
+                <a:hlinkClick r:id="rId4"/>
+              </a:rPr>
+              <a:t>https://docs.opensea.io/reference/api-overview</a:t>
+            </a:r>
+            <a:endParaRPr lang="en-US" b="0" i="0" dirty="0">
+              <a:solidFill>
+                <a:srgbClr val="000000"/>
+              </a:solidFill>
+              <a:effectLst/>
+              <a:latin typeface="Helvetica Neue"/>
+            </a:endParaRPr>
+          </a:p>
+          <a:p>
+            <a:pPr algn="l" rtl="0"/>
+            <a:r>
+              <a:rPr lang="en-US" b="0" i="0" dirty="0">
+                <a:solidFill>
+                  <a:srgbClr val="000000"/>
+                </a:solidFill>
+                <a:effectLst/>
+                <a:latin typeface="Helvetica Neue"/>
+              </a:rPr>
+              <a:t>[4] </a:t>
+            </a:r>
+            <a:r>
+              <a:rPr lang="en-US" b="0" i="0" u="sng" dirty="0">
+                <a:solidFill>
+                  <a:srgbClr val="296EAA"/>
+                </a:solidFill>
+                <a:effectLst/>
+                <a:latin typeface="Helvetica Neue"/>
+                <a:hlinkClick r:id="rId5"/>
+              </a:rPr>
+              <a:t>https://www.pytorchlightning.ai/</a:t>
+            </a:r>
+            <a:endParaRPr lang="en-US" b="0" i="0" dirty="0">
+              <a:solidFill>
+                <a:srgbClr val="000000"/>
+              </a:solidFill>
+              <a:effectLst/>
+              <a:latin typeface="Helvetica Neue"/>
+            </a:endParaRPr>
+          </a:p>
+          <a:p>
+            <a:pPr algn="l" rtl="0"/>
+            <a:r>
+              <a:rPr lang="en-US" b="0" i="0" dirty="0">
+                <a:solidFill>
+                  <a:srgbClr val="000000"/>
+                </a:solidFill>
+                <a:effectLst/>
+                <a:latin typeface="Helvetica Neue"/>
+              </a:rPr>
+              <a:t>[5] </a:t>
+            </a:r>
+            <a:r>
+              <a:rPr lang="en-US" b="0" i="0" u="sng" dirty="0">
+                <a:solidFill>
+                  <a:srgbClr val="296EAA"/>
+                </a:solidFill>
+                <a:effectLst/>
+                <a:latin typeface="Helvetica Neue"/>
+                <a:hlinkClick r:id="rId6"/>
+              </a:rPr>
+              <a:t>https://docs.mongodb.com/tools/</a:t>
+            </a:r>
+            <a:endParaRPr lang="en-US" b="0" i="0" dirty="0">
+              <a:solidFill>
+                <a:srgbClr val="000000"/>
+              </a:solidFill>
+              <a:effectLst/>
+              <a:latin typeface="Helvetica Neue"/>
+            </a:endParaRPr>
+          </a:p>
+          <a:p>
+            <a:pPr algn="l" rtl="0"/>
+            <a:r>
+              <a:rPr lang="en-US" b="0" i="0" dirty="0">
+                <a:solidFill>
+                  <a:srgbClr val="000000"/>
+                </a:solidFill>
+                <a:effectLst/>
+                <a:latin typeface="Helvetica Neue"/>
+              </a:rPr>
+              <a:t>[6] </a:t>
+            </a:r>
+            <a:r>
+              <a:rPr lang="en-US" b="0" i="0" u="sng" dirty="0">
+                <a:solidFill>
+                  <a:srgbClr val="296EAA"/>
+                </a:solidFill>
+                <a:effectLst/>
+                <a:latin typeface="Helvetica Neue"/>
+                <a:hlinkClick r:id="rId7"/>
+              </a:rPr>
+              <a:t>https://www.phamduytung.com/blog/2019-05-05-deep-learning-dropout/</a:t>
+            </a:r>
+            <a:endParaRPr lang="en-US" b="0" i="0" u="sng" dirty="0">
+              <a:solidFill>
+                <a:srgbClr val="296EAA"/>
+              </a:solidFill>
+              <a:effectLst/>
+              <a:latin typeface="Helvetica Neue"/>
+            </a:endParaRPr>
+          </a:p>
+          <a:p>
+            <a:pPr algn="l" rtl="0"/>
+            <a:r>
+              <a:rPr lang="en-US" b="0" i="0" dirty="0">
+                <a:solidFill>
+                  <a:srgbClr val="000000"/>
+                </a:solidFill>
+                <a:effectLst/>
+                <a:latin typeface="Helvetica Neue"/>
+              </a:rPr>
+              <a:t>[7] </a:t>
+            </a:r>
+            <a:r>
+              <a:rPr lang="en-US" dirty="0" err="1">
+                <a:hlinkClick r:id="rId8"/>
+              </a:rPr>
+              <a:t>Xử</a:t>
+            </a:r>
+            <a:r>
+              <a:rPr lang="en-US" dirty="0">
+                <a:hlinkClick r:id="rId8"/>
+              </a:rPr>
+              <a:t> </a:t>
+            </a:r>
+            <a:r>
+              <a:rPr lang="en-US" dirty="0" err="1">
+                <a:hlinkClick r:id="rId8"/>
+              </a:rPr>
+              <a:t>lý</a:t>
+            </a:r>
+            <a:r>
+              <a:rPr lang="en-US" dirty="0">
+                <a:hlinkClick r:id="rId8"/>
+              </a:rPr>
+              <a:t> </a:t>
+            </a:r>
+            <a:r>
+              <a:rPr lang="en-US" dirty="0" err="1">
+                <a:hlinkClick r:id="rId8"/>
+              </a:rPr>
+              <a:t>các</a:t>
+            </a:r>
+            <a:r>
+              <a:rPr lang="en-US" dirty="0">
+                <a:hlinkClick r:id="rId8"/>
+              </a:rPr>
+              <a:t> </a:t>
+            </a:r>
+            <a:r>
+              <a:rPr lang="en-US" dirty="0" err="1">
+                <a:hlinkClick r:id="rId8"/>
+              </a:rPr>
+              <a:t>giá</a:t>
+            </a:r>
+            <a:r>
+              <a:rPr lang="en-US" dirty="0">
+                <a:hlinkClick r:id="rId8"/>
+              </a:rPr>
+              <a:t> </a:t>
+            </a:r>
+            <a:r>
+              <a:rPr lang="en-US" dirty="0" err="1">
+                <a:hlinkClick r:id="rId8"/>
+              </a:rPr>
+              <a:t>trị</a:t>
+            </a:r>
+            <a:r>
+              <a:rPr lang="en-US" dirty="0">
+                <a:hlinkClick r:id="rId8"/>
+              </a:rPr>
+              <a:t> </a:t>
+            </a:r>
+            <a:r>
+              <a:rPr lang="en-US" dirty="0" err="1">
+                <a:hlinkClick r:id="rId8"/>
+              </a:rPr>
+              <a:t>ngoại</a:t>
+            </a:r>
+            <a:r>
+              <a:rPr lang="en-US" dirty="0">
+                <a:hlinkClick r:id="rId8"/>
+              </a:rPr>
+              <a:t> </a:t>
+            </a:r>
+            <a:r>
+              <a:rPr lang="en-US" dirty="0" err="1">
+                <a:hlinkClick r:id="rId8"/>
+              </a:rPr>
+              <a:t>lệ</a:t>
+            </a:r>
+            <a:r>
+              <a:rPr lang="en-US" dirty="0">
+                <a:hlinkClick r:id="rId8"/>
+              </a:rPr>
+              <a:t> — Machine Learning </a:t>
+            </a:r>
+            <a:r>
+              <a:rPr lang="en-US" dirty="0" err="1">
+                <a:hlinkClick r:id="rId8"/>
+              </a:rPr>
+              <a:t>cho</a:t>
+            </a:r>
+            <a:r>
+              <a:rPr lang="en-US" dirty="0">
+                <a:hlinkClick r:id="rId8"/>
+              </a:rPr>
+              <a:t> </a:t>
+            </a:r>
+            <a:r>
+              <a:rPr lang="en-US" dirty="0" err="1">
+                <a:hlinkClick r:id="rId8"/>
+              </a:rPr>
+              <a:t>dữ</a:t>
+            </a:r>
+            <a:r>
+              <a:rPr lang="en-US" dirty="0">
+                <a:hlinkClick r:id="rId8"/>
+              </a:rPr>
+              <a:t> </a:t>
+            </a:r>
+            <a:r>
+              <a:rPr lang="en-US" dirty="0" err="1">
+                <a:hlinkClick r:id="rId8"/>
+              </a:rPr>
+              <a:t>liệu</a:t>
+            </a:r>
+            <a:r>
+              <a:rPr lang="en-US" dirty="0">
+                <a:hlinkClick r:id="rId8"/>
+              </a:rPr>
+              <a:t> </a:t>
+            </a:r>
+            <a:r>
+              <a:rPr lang="en-US" dirty="0" err="1">
+                <a:hlinkClick r:id="rId8"/>
+              </a:rPr>
+              <a:t>dạng</a:t>
+            </a:r>
+            <a:r>
+              <a:rPr lang="en-US" dirty="0">
+                <a:hlinkClick r:id="rId8"/>
+              </a:rPr>
+              <a:t> </a:t>
+            </a:r>
+            <a:r>
+              <a:rPr lang="en-US" dirty="0" err="1">
+                <a:hlinkClick r:id="rId8"/>
+              </a:rPr>
+              <a:t>bảng</a:t>
+            </a:r>
+            <a:r>
+              <a:rPr lang="en-US" dirty="0">
+                <a:hlinkClick r:id="rId8"/>
+              </a:rPr>
+              <a:t> (machinelearningcoban.com)</a:t>
+            </a:r>
+            <a:endParaRPr lang="en-US" b="0" i="0" dirty="0">
+              <a:solidFill>
+                <a:srgbClr val="000000"/>
+              </a:solidFill>
+              <a:effectLst/>
+              <a:latin typeface="Helvetica Neue"/>
+            </a:endParaRPr>
+          </a:p>
+        </p:txBody>
+      </p:sp>
+    </p:spTree>
+    <p:extLst>
+      <p:ext uri="{BB962C8B-B14F-4D97-AF65-F5344CB8AC3E}">
+        <p14:creationId xmlns:p14="http://schemas.microsoft.com/office/powerpoint/2010/main" val="192332132"/>
+      </p:ext>
+    </p:extLst>
+  </p:cSld>
+  <p:clrMapOvr>
+    <a:masterClrMapping/>
+  </p:clrMapOvr>
+</p:sld>
+</file>
+
+<file path=ppt/slides/slide13.xml><?xml version="1.0" encoding="utf-8"?>
+<p:sld xmlns:a="http://schemas.openxmlformats.org/drawingml/2006/main" xmlns:r="http://schemas.openxmlformats.org/officeDocument/2006/relationships" xmlns:p="http://schemas.openxmlformats.org/presentationml/2006/main">
+  <p:cSld>
+    <p:spTree>
+      <p:nvGrpSpPr>
+        <p:cNvPr id="1" name=""/>
+        <p:cNvGrpSpPr/>
+        <p:nvPr/>
+      </p:nvGrpSpPr>
+      <p:grpSpPr>
+        <a:xfrm>
+          <a:off x="0" y="0"/>
+          <a:ext cx="0" cy="0"/>
+          <a:chOff x="0" y="0"/>
+          <a:chExt cx="0" cy="0"/>
+        </a:xfrm>
+      </p:grpSpPr>
+      <p:sp>
+        <p:nvSpPr>
+          <p:cNvPr id="2" name="Title 1">
+            <a:extLst>
+              <a:ext uri="{FF2B5EF4-FFF2-40B4-BE49-F238E27FC236}">
+                <a16:creationId xmlns:a16="http://schemas.microsoft.com/office/drawing/2014/main" id="{E0D8983B-AB88-440F-A9D3-189F51E02F79}"/>
+              </a:ext>
+            </a:extLst>
+          </p:cNvPr>
+          <p:cNvSpPr>
+            <a:spLocks noGrp="1"/>
+          </p:cNvSpPr>
+          <p:nvPr>
+            <p:ph type="title"/>
+          </p:nvPr>
+        </p:nvSpPr>
+        <p:spPr>
+          <a:xfrm>
+            <a:off x="-227120" y="2237172"/>
+            <a:ext cx="12043298" cy="2205593"/>
+          </a:xfrm>
+        </p:spPr>
+        <p:txBody>
+          <a:bodyPr/>
+          <a:lstStyle/>
+          <a:p>
+            <a:pPr algn="ctr"/>
+            <a:r>
+              <a:rPr lang="en-US" dirty="0"/>
+              <a:t>END</a:t>
+            </a:r>
+          </a:p>
+        </p:txBody>
+      </p:sp>
+    </p:spTree>
+    <p:extLst>
+      <p:ext uri="{BB962C8B-B14F-4D97-AF65-F5344CB8AC3E}">
+        <p14:creationId xmlns:p14="http://schemas.microsoft.com/office/powerpoint/2010/main" val="2449386569"/>
+      </p:ext>
+    </p:extLst>
+  </p:cSld>
+  <p:clrMapOvr>
+    <a:masterClrMapping/>
+  </p:clrMapOvr>
+</p:sld>
+</file>
+
+<file path=ppt/slides/slide2.xml><?xml version="1.0" encoding="utf-8"?>
+<p:sld xmlns:a="http://schemas.openxmlformats.org/drawingml/2006/main" xmlns:r="http://schemas.openxmlformats.org/officeDocument/2006/relationships" xmlns:p="http://schemas.openxmlformats.org/presentationml/2006/main">
+  <p:cSld>
+    <p:spTree>
+      <p:nvGrpSpPr>
+        <p:cNvPr id="1" name=""/>
+        <p:cNvGrpSpPr/>
+        <p:nvPr/>
+      </p:nvGrpSpPr>
+      <p:grpSpPr>
+        <a:xfrm>
+          <a:off x="0" y="0"/>
+          <a:ext cx="0" cy="0"/>
+          <a:chOff x="0" y="0"/>
+          <a:chExt cx="0" cy="0"/>
+        </a:xfrm>
+      </p:grpSpPr>
+      <p:sp>
+        <p:nvSpPr>
+          <p:cNvPr id="2" name="Title 1">
+            <a:extLst>
+              <a:ext uri="{FF2B5EF4-FFF2-40B4-BE49-F238E27FC236}">
+                <a16:creationId xmlns:a16="http://schemas.microsoft.com/office/drawing/2014/main" id="{B83C9656-2D74-47B4-B5E9-62FBC267B87E}"/>
+              </a:ext>
+            </a:extLst>
+          </p:cNvPr>
+          <p:cNvSpPr>
+            <a:spLocks noGrp="1"/>
+          </p:cNvSpPr>
+          <p:nvPr>
+            <p:ph type="title"/>
+          </p:nvPr>
+        </p:nvSpPr>
+        <p:spPr/>
+        <p:txBody>
+          <a:bodyPr/>
+          <a:lstStyle/>
+          <a:p>
+            <a:r>
+              <a:rPr lang="en-US" dirty="0"/>
+              <a:t>I. Introduce </a:t>
+            </a:r>
+          </a:p>
+        </p:txBody>
+      </p:sp>
+      <p:sp>
+        <p:nvSpPr>
+          <p:cNvPr id="3" name="Content Placeholder 2">
+            <a:extLst>
+              <a:ext uri="{FF2B5EF4-FFF2-40B4-BE49-F238E27FC236}">
+                <a16:creationId xmlns:a16="http://schemas.microsoft.com/office/drawing/2014/main" id="{C02D55D5-FEA9-4CF2-8FA8-ED79158D99EE}"/>
+              </a:ext>
+            </a:extLst>
+          </p:cNvPr>
+          <p:cNvSpPr>
+            <a:spLocks noGrp="1"/>
+          </p:cNvSpPr>
+          <p:nvPr>
+            <p:ph idx="1"/>
+          </p:nvPr>
+        </p:nvSpPr>
+        <p:spPr/>
+        <p:txBody>
+          <a:bodyPr/>
+          <a:lstStyle/>
+          <a:p>
+            <a:r>
+              <a:rPr lang="en-US" dirty="0" err="1"/>
+              <a:t>Axie</a:t>
+            </a:r>
+            <a:r>
+              <a:rPr lang="en-US" dirty="0"/>
+              <a:t> Infinity ? </a:t>
+            </a:r>
+          </a:p>
+          <a:p>
+            <a:r>
+              <a:rPr lang="en-US" dirty="0" err="1"/>
+              <a:t>Opensea</a:t>
+            </a:r>
+            <a:r>
+              <a:rPr lang="en-US" dirty="0"/>
+              <a:t> ? </a:t>
+            </a:r>
+          </a:p>
+          <a:p>
+            <a:r>
+              <a:rPr lang="en-US" dirty="0"/>
+              <a:t>NFT ?</a:t>
+            </a:r>
+          </a:p>
+          <a:p>
+            <a:endParaRPr lang="en-US" dirty="0"/>
+          </a:p>
+        </p:txBody>
+      </p:sp>
+    </p:spTree>
+    <p:extLst>
+      <p:ext uri="{BB962C8B-B14F-4D97-AF65-F5344CB8AC3E}">
+        <p14:creationId xmlns:p14="http://schemas.microsoft.com/office/powerpoint/2010/main" val="3547449353"/>
+      </p:ext>
+    </p:extLst>
+  </p:cSld>
+  <p:clrMapOvr>
+    <a:masterClrMapping/>
+  </p:clrMapOvr>
+</p:sld>
+</file>
+
+<file path=ppt/slides/slide3.xml><?xml version="1.0" encoding="utf-8"?>
+<p:sld xmlns:a="http://schemas.openxmlformats.org/drawingml/2006/main" xmlns:r="http://schemas.openxmlformats.org/officeDocument/2006/relationships" xmlns:p="http://schemas.openxmlformats.org/presentationml/2006/main">
+  <p:cSld>
+    <p:spTree>
+      <p:nvGrpSpPr>
+        <p:cNvPr id="1" name=""/>
+        <p:cNvGrpSpPr/>
+        <p:nvPr/>
+      </p:nvGrpSpPr>
+      <p:grpSpPr>
+        <a:xfrm>
+          <a:off x="0" y="0"/>
+          <a:ext cx="0" cy="0"/>
+          <a:chOff x="0" y="0"/>
+          <a:chExt cx="0" cy="0"/>
+        </a:xfrm>
+      </p:grpSpPr>
+      <p:sp>
+        <p:nvSpPr>
+          <p:cNvPr id="2" name="Title 1">
+            <a:extLst>
+              <a:ext uri="{FF2B5EF4-FFF2-40B4-BE49-F238E27FC236}">
+                <a16:creationId xmlns:a16="http://schemas.microsoft.com/office/drawing/2014/main" id="{DFA1A692-B9D3-441A-BFF5-09462D9C302D}"/>
+              </a:ext>
+            </a:extLst>
+          </p:cNvPr>
+          <p:cNvSpPr>
+            <a:spLocks noGrp="1"/>
+          </p:cNvSpPr>
+          <p:nvPr>
+            <p:ph type="title"/>
+          </p:nvPr>
+        </p:nvSpPr>
+        <p:spPr/>
+        <p:txBody>
+          <a:bodyPr/>
+          <a:lstStyle/>
+          <a:p>
+            <a:r>
+              <a:rPr lang="en-US" dirty="0"/>
+              <a:t>II. Collect data</a:t>
+            </a:r>
+          </a:p>
+        </p:txBody>
+      </p:sp>
+      <p:sp>
+        <p:nvSpPr>
+          <p:cNvPr id="3" name="Content Placeholder 2">
+            <a:extLst>
+              <a:ext uri="{FF2B5EF4-FFF2-40B4-BE49-F238E27FC236}">
+                <a16:creationId xmlns:a16="http://schemas.microsoft.com/office/drawing/2014/main" id="{589B3D16-4AD2-421E-909C-946D88BA6E2A}"/>
+              </a:ext>
+            </a:extLst>
+          </p:cNvPr>
+          <p:cNvSpPr>
+            <a:spLocks noGrp="1"/>
+          </p:cNvSpPr>
+          <p:nvPr>
+            <p:ph idx="1"/>
+          </p:nvPr>
+        </p:nvSpPr>
+        <p:spPr/>
+        <p:txBody>
+          <a:bodyPr/>
+          <a:lstStyle/>
+          <a:p>
+            <a:r>
+              <a:rPr lang="en-US" dirty="0"/>
+              <a:t>MongoDB</a:t>
+            </a:r>
+          </a:p>
+          <a:p>
+            <a:r>
+              <a:rPr lang="en-US" dirty="0" err="1"/>
+              <a:t>OpenseaAPI</a:t>
+            </a:r>
+            <a:endParaRPr lang="en-US" dirty="0"/>
+          </a:p>
+          <a:p>
+            <a:r>
+              <a:rPr lang="en-US" dirty="0" err="1"/>
+              <a:t>Axie</a:t>
+            </a:r>
+            <a:r>
+              <a:rPr lang="en-US" dirty="0"/>
+              <a:t> Marketplace</a:t>
+            </a:r>
+          </a:p>
+          <a:p>
+            <a:endParaRPr lang="en-US" dirty="0"/>
+          </a:p>
+          <a:p>
+            <a:endParaRPr lang="en-US" dirty="0"/>
+          </a:p>
+        </p:txBody>
+      </p:sp>
+    </p:spTree>
+    <p:extLst>
+      <p:ext uri="{BB962C8B-B14F-4D97-AF65-F5344CB8AC3E}">
+        <p14:creationId xmlns:p14="http://schemas.microsoft.com/office/powerpoint/2010/main" val="884397229"/>
+      </p:ext>
+    </p:extLst>
+  </p:cSld>
+  <p:clrMapOvr>
+    <a:masterClrMapping/>
+  </p:clrMapOvr>
+</p:sld>
+</file>
+
+<file path=ppt/slides/slide4.xml><?xml version="1.0" encoding="utf-8"?>
+<p:sld xmlns:a="http://schemas.openxmlformats.org/drawingml/2006/main" xmlns:r="http://schemas.openxmlformats.org/officeDocument/2006/relationships" xmlns:p="http://schemas.openxmlformats.org/presentationml/2006/main">
+  <p:cSld>
+    <p:spTree>
+      <p:nvGrpSpPr>
+        <p:cNvPr id="1" name=""/>
+        <p:cNvGrpSpPr/>
+        <p:nvPr/>
+      </p:nvGrpSpPr>
+      <p:grpSpPr>
+        <a:xfrm>
+          <a:off x="0" y="0"/>
+          <a:ext cx="0" cy="0"/>
+          <a:chOff x="0" y="0"/>
+          <a:chExt cx="0" cy="0"/>
+        </a:xfrm>
+      </p:grpSpPr>
+      <p:sp>
+        <p:nvSpPr>
+          <p:cNvPr id="2" name="Title 1">
+            <a:extLst>
+              <a:ext uri="{FF2B5EF4-FFF2-40B4-BE49-F238E27FC236}">
+                <a16:creationId xmlns:a16="http://schemas.microsoft.com/office/drawing/2014/main" id="{DFA1A692-B9D3-441A-BFF5-09462D9C302D}"/>
+              </a:ext>
+            </a:extLst>
+          </p:cNvPr>
+          <p:cNvSpPr>
+            <a:spLocks noGrp="1"/>
+          </p:cNvSpPr>
+          <p:nvPr>
+            <p:ph type="title"/>
+          </p:nvPr>
+        </p:nvSpPr>
+        <p:spPr/>
+        <p:txBody>
+          <a:bodyPr/>
+          <a:lstStyle/>
+          <a:p>
+            <a:r>
+              <a:rPr lang="en-US" dirty="0"/>
+              <a:t>III. Explore data </a:t>
+            </a:r>
+          </a:p>
+        </p:txBody>
+      </p:sp>
+      <p:sp>
+        <p:nvSpPr>
+          <p:cNvPr id="3" name="Content Placeholder 2">
+            <a:extLst>
+              <a:ext uri="{FF2B5EF4-FFF2-40B4-BE49-F238E27FC236}">
+                <a16:creationId xmlns:a16="http://schemas.microsoft.com/office/drawing/2014/main" id="{589B3D16-4AD2-421E-909C-946D88BA6E2A}"/>
+              </a:ext>
+            </a:extLst>
+          </p:cNvPr>
+          <p:cNvSpPr>
+            <a:spLocks noGrp="1"/>
+          </p:cNvSpPr>
+          <p:nvPr>
+            <p:ph idx="1"/>
+          </p:nvPr>
+        </p:nvSpPr>
+        <p:spPr/>
+        <p:txBody>
+          <a:bodyPr/>
+          <a:lstStyle/>
+          <a:p>
+            <a:r>
+              <a:rPr lang="en-US" dirty="0"/>
+              <a:t>Preprocessing data ( duplicates, null).</a:t>
+            </a:r>
+          </a:p>
+          <a:p>
+            <a:r>
+              <a:rPr lang="en-US" dirty="0"/>
+              <a:t>Know info of columns.</a:t>
+            </a:r>
+          </a:p>
+          <a:p>
+            <a:r>
+              <a:rPr lang="en-US" dirty="0"/>
+              <a:t>Analysis data ( popular, top, total, number, trade, buyer, seller….)</a:t>
+            </a:r>
+          </a:p>
+          <a:p>
+            <a:r>
+              <a:rPr lang="en-US" dirty="0"/>
+              <a:t>Overview of data we have.</a:t>
+            </a:r>
+          </a:p>
+        </p:txBody>
+      </p:sp>
+    </p:spTree>
+    <p:extLst>
+      <p:ext uri="{BB962C8B-B14F-4D97-AF65-F5344CB8AC3E}">
+        <p14:creationId xmlns:p14="http://schemas.microsoft.com/office/powerpoint/2010/main" val="322298159"/>
+      </p:ext>
+    </p:extLst>
+  </p:cSld>
+  <p:clrMapOvr>
+    <a:masterClrMapping/>
+  </p:clrMapOvr>
+</p:sld>
+</file>
+
+<file path=ppt/slides/slide5.xml><?xml version="1.0" encoding="utf-8"?>
+<p:sld xmlns:a="http://schemas.openxmlformats.org/drawingml/2006/main" xmlns:r="http://schemas.openxmlformats.org/officeDocument/2006/relationships" xmlns:p="http://schemas.openxmlformats.org/presentationml/2006/main">
+  <p:cSld>
+    <p:spTree>
+      <p:nvGrpSpPr>
+        <p:cNvPr id="1" name=""/>
+        <p:cNvGrpSpPr/>
+        <p:nvPr/>
+      </p:nvGrpSpPr>
+      <p:grpSpPr>
+        <a:xfrm>
+          <a:off x="0" y="0"/>
+          <a:ext cx="0" cy="0"/>
+          <a:chOff x="0" y="0"/>
+          <a:chExt cx="0" cy="0"/>
+        </a:xfrm>
+      </p:grpSpPr>
+      <p:sp>
+        <p:nvSpPr>
+          <p:cNvPr id="2" name="Title 1">
+            <a:extLst>
+              <a:ext uri="{FF2B5EF4-FFF2-40B4-BE49-F238E27FC236}">
+                <a16:creationId xmlns:a16="http://schemas.microsoft.com/office/drawing/2014/main" id="{DFA1A692-B9D3-441A-BFF5-09462D9C302D}"/>
+              </a:ext>
+            </a:extLst>
+          </p:cNvPr>
+          <p:cNvSpPr>
+            <a:spLocks noGrp="1"/>
+          </p:cNvSpPr>
+          <p:nvPr>
+            <p:ph type="title"/>
+          </p:nvPr>
+        </p:nvSpPr>
+        <p:spPr/>
+        <p:txBody>
+          <a:bodyPr/>
+          <a:lstStyle/>
+          <a:p>
+            <a:r>
+              <a:rPr lang="en-US" dirty="0"/>
+              <a:t>IV. Model</a:t>
+            </a:r>
+          </a:p>
+        </p:txBody>
+      </p:sp>
+      <p:sp>
+        <p:nvSpPr>
+          <p:cNvPr id="3" name="Content Placeholder 2">
+            <a:extLst>
+              <a:ext uri="{FF2B5EF4-FFF2-40B4-BE49-F238E27FC236}">
+                <a16:creationId xmlns:a16="http://schemas.microsoft.com/office/drawing/2014/main" id="{589B3D16-4AD2-421E-909C-946D88BA6E2A}"/>
+              </a:ext>
+            </a:extLst>
+          </p:cNvPr>
+          <p:cNvSpPr>
+            <a:spLocks noGrp="1"/>
+          </p:cNvSpPr>
+          <p:nvPr>
+            <p:ph idx="1"/>
+          </p:nvPr>
+        </p:nvSpPr>
+        <p:spPr/>
+        <p:txBody>
+          <a:bodyPr/>
+          <a:lstStyle/>
+          <a:p>
+            <a:r>
+              <a:rPr lang="en-US" dirty="0"/>
+              <a:t>Preprocess :</a:t>
+            </a:r>
+          </a:p>
+          <a:p>
+            <a:r>
+              <a:rPr lang="en-US" dirty="0"/>
+              <a:t>+ </a:t>
+            </a:r>
+            <a:r>
+              <a:rPr lang="en-US" dirty="0" err="1"/>
+              <a:t>bodyshape</a:t>
+            </a:r>
+            <a:r>
+              <a:rPr lang="en-US" dirty="0"/>
+              <a:t> : Name - &gt; int</a:t>
+            </a:r>
+          </a:p>
+          <a:p>
+            <a:r>
+              <a:rPr lang="en-US" dirty="0"/>
+              <a:t>+ class : Name -&gt; int</a:t>
+            </a:r>
+          </a:p>
+          <a:p>
+            <a:endParaRPr lang="en-US" dirty="0"/>
+          </a:p>
+        </p:txBody>
+      </p:sp>
+      <p:pic>
+        <p:nvPicPr>
+          <p:cNvPr id="5" name="Picture 4">
+            <a:extLst>
+              <a:ext uri="{FF2B5EF4-FFF2-40B4-BE49-F238E27FC236}">
+                <a16:creationId xmlns:a16="http://schemas.microsoft.com/office/drawing/2014/main" id="{88EB9CA7-9BA9-4944-A876-FD733A530F03}"/>
+              </a:ext>
+            </a:extLst>
+          </p:cNvPr>
+          <p:cNvPicPr>
+            <a:picLocks noChangeAspect="1"/>
+          </p:cNvPicPr>
+          <p:nvPr/>
+        </p:nvPicPr>
+        <p:blipFill>
+          <a:blip r:embed="rId2"/>
+          <a:stretch>
+            <a:fillRect/>
+          </a:stretch>
+        </p:blipFill>
+        <p:spPr>
+          <a:xfrm>
+            <a:off x="838200" y="3467497"/>
+            <a:ext cx="10873586" cy="572294"/>
+          </a:xfrm>
+          <a:prstGeom prst="rect">
+            <a:avLst/>
+          </a:prstGeom>
+        </p:spPr>
+      </p:pic>
+      <p:pic>
+        <p:nvPicPr>
+          <p:cNvPr id="7" name="Picture 6">
+            <a:extLst>
+              <a:ext uri="{FF2B5EF4-FFF2-40B4-BE49-F238E27FC236}">
+                <a16:creationId xmlns:a16="http://schemas.microsoft.com/office/drawing/2014/main" id="{AA6B8075-127D-4F79-9C4A-EB8D524E721A}"/>
+              </a:ext>
+            </a:extLst>
+          </p:cNvPr>
+          <p:cNvPicPr>
+            <a:picLocks noChangeAspect="1"/>
+          </p:cNvPicPr>
+          <p:nvPr/>
+        </p:nvPicPr>
+        <p:blipFill>
+          <a:blip r:embed="rId3"/>
+          <a:stretch>
+            <a:fillRect/>
+          </a:stretch>
+        </p:blipFill>
+        <p:spPr>
+          <a:xfrm>
+            <a:off x="1042987" y="4421006"/>
+            <a:ext cx="10873586" cy="360544"/>
+          </a:xfrm>
+          <a:prstGeom prst="rect">
+            <a:avLst/>
+          </a:prstGeom>
+        </p:spPr>
+      </p:pic>
+    </p:spTree>
+    <p:extLst>
+      <p:ext uri="{BB962C8B-B14F-4D97-AF65-F5344CB8AC3E}">
+        <p14:creationId xmlns:p14="http://schemas.microsoft.com/office/powerpoint/2010/main" val="2164169242"/>
+      </p:ext>
+    </p:extLst>
+  </p:cSld>
+  <p:clrMapOvr>
+    <a:masterClrMapping/>
+  </p:clrMapOvr>
+</p:sld>
+</file>
+
+<file path=ppt/slides/slide6.xml><?xml version="1.0" encoding="utf-8"?>
+<p:sld xmlns:a="http://schemas.openxmlformats.org/drawingml/2006/main" xmlns:r="http://schemas.openxmlformats.org/officeDocument/2006/relationships" xmlns:p="http://schemas.openxmlformats.org/presentationml/2006/main">
+  <p:cSld>
+    <p:spTree>
+      <p:nvGrpSpPr>
+        <p:cNvPr id="1" name=""/>
+        <p:cNvGrpSpPr/>
+        <p:nvPr/>
+      </p:nvGrpSpPr>
+      <p:grpSpPr>
+        <a:xfrm>
+          <a:off x="0" y="0"/>
+          <a:ext cx="0" cy="0"/>
+          <a:chOff x="0" y="0"/>
+          <a:chExt cx="0" cy="0"/>
+        </a:xfrm>
+      </p:grpSpPr>
+      <p:sp>
+        <p:nvSpPr>
+          <p:cNvPr id="2" name="Title 1">
+            <a:extLst>
+              <a:ext uri="{FF2B5EF4-FFF2-40B4-BE49-F238E27FC236}">
+                <a16:creationId xmlns:a16="http://schemas.microsoft.com/office/drawing/2014/main" id="{DFA1A692-B9D3-441A-BFF5-09462D9C302D}"/>
+              </a:ext>
+            </a:extLst>
+          </p:cNvPr>
+          <p:cNvSpPr>
+            <a:spLocks noGrp="1"/>
+          </p:cNvSpPr>
+          <p:nvPr>
+            <p:ph type="title"/>
+          </p:nvPr>
+        </p:nvSpPr>
+        <p:spPr/>
+        <p:txBody>
+          <a:bodyPr/>
+          <a:lstStyle/>
+          <a:p>
+            <a:r>
+              <a:rPr lang="en-US" dirty="0"/>
+              <a:t>IV. Model</a:t>
+            </a:r>
+          </a:p>
+        </p:txBody>
+      </p:sp>
+      <p:sp>
+        <p:nvSpPr>
+          <p:cNvPr id="3" name="Content Placeholder 2">
+            <a:extLst>
+              <a:ext uri="{FF2B5EF4-FFF2-40B4-BE49-F238E27FC236}">
+                <a16:creationId xmlns:a16="http://schemas.microsoft.com/office/drawing/2014/main" id="{589B3D16-4AD2-421E-909C-946D88BA6E2A}"/>
+              </a:ext>
+            </a:extLst>
+          </p:cNvPr>
+          <p:cNvSpPr>
+            <a:spLocks noGrp="1"/>
+          </p:cNvSpPr>
+          <p:nvPr>
+            <p:ph idx="1"/>
+          </p:nvPr>
+        </p:nvSpPr>
+        <p:spPr/>
+        <p:txBody>
+          <a:bodyPr/>
+          <a:lstStyle/>
+          <a:p>
+            <a:r>
+              <a:rPr lang="en-US" dirty="0"/>
+              <a:t>Preprocess :</a:t>
+            </a:r>
+          </a:p>
+          <a:p>
+            <a:r>
+              <a:rPr lang="en-US" dirty="0"/>
+              <a:t>+ Price ETH : gas </a:t>
+            </a:r>
+            <a:r>
+              <a:rPr lang="en-US" dirty="0" err="1"/>
+              <a:t>wei</a:t>
+            </a:r>
+            <a:r>
+              <a:rPr lang="en-US" dirty="0"/>
+              <a:t> - &gt;  eth</a:t>
+            </a:r>
+          </a:p>
+          <a:p>
+            <a:r>
+              <a:rPr lang="en-US" dirty="0"/>
+              <a:t>+ Card id : Name -&gt; int</a:t>
+            </a:r>
+          </a:p>
+        </p:txBody>
+      </p:sp>
+      <p:pic>
+        <p:nvPicPr>
+          <p:cNvPr id="6" name="Picture 5">
+            <a:extLst>
+              <a:ext uri="{FF2B5EF4-FFF2-40B4-BE49-F238E27FC236}">
+                <a16:creationId xmlns:a16="http://schemas.microsoft.com/office/drawing/2014/main" id="{27844EF0-D676-4EB9-874F-B2AF1A0A8131}"/>
+              </a:ext>
+            </a:extLst>
+          </p:cNvPr>
+          <p:cNvPicPr>
+            <a:picLocks noChangeAspect="1"/>
+          </p:cNvPicPr>
+          <p:nvPr/>
+        </p:nvPicPr>
+        <p:blipFill>
+          <a:blip r:embed="rId2"/>
+          <a:stretch>
+            <a:fillRect/>
+          </a:stretch>
+        </p:blipFill>
+        <p:spPr>
+          <a:xfrm>
+            <a:off x="6338887" y="1299209"/>
+            <a:ext cx="3529013" cy="4420554"/>
+          </a:xfrm>
+          <a:prstGeom prst="rect">
+            <a:avLst/>
+          </a:prstGeom>
+        </p:spPr>
+      </p:pic>
+      <p:pic>
+        <p:nvPicPr>
+          <p:cNvPr id="9" name="Picture 8">
+            <a:extLst>
+              <a:ext uri="{FF2B5EF4-FFF2-40B4-BE49-F238E27FC236}">
+                <a16:creationId xmlns:a16="http://schemas.microsoft.com/office/drawing/2014/main" id="{67B6770D-85C5-4523-AE51-01F8CCAE5D4C}"/>
+              </a:ext>
+            </a:extLst>
+          </p:cNvPr>
+          <p:cNvPicPr>
+            <a:picLocks noChangeAspect="1"/>
+          </p:cNvPicPr>
+          <p:nvPr/>
+        </p:nvPicPr>
+        <p:blipFill>
+          <a:blip r:embed="rId3"/>
+          <a:stretch>
+            <a:fillRect/>
+          </a:stretch>
+        </p:blipFill>
+        <p:spPr>
+          <a:xfrm>
+            <a:off x="1204912" y="3509486"/>
+            <a:ext cx="4257675" cy="2686050"/>
+          </a:xfrm>
+          <a:prstGeom prst="rect">
+            <a:avLst/>
+          </a:prstGeom>
+        </p:spPr>
+      </p:pic>
+    </p:spTree>
+    <p:extLst>
+      <p:ext uri="{BB962C8B-B14F-4D97-AF65-F5344CB8AC3E}">
+        <p14:creationId xmlns:p14="http://schemas.microsoft.com/office/powerpoint/2010/main" val="1865090460"/>
+      </p:ext>
+    </p:extLst>
+  </p:cSld>
+  <p:clrMapOvr>
+    <a:masterClrMapping/>
+  </p:clrMapOvr>
+</p:sld>
+</file>
+
+<file path=ppt/slides/slide7.xml><?xml version="1.0" encoding="utf-8"?>
+<p:sld xmlns:a="http://schemas.openxmlformats.org/drawingml/2006/main" xmlns:r="http://schemas.openxmlformats.org/officeDocument/2006/relationships" xmlns:p="http://schemas.openxmlformats.org/presentationml/2006/main">
+  <p:cSld>
+    <p:spTree>
+      <p:nvGrpSpPr>
+        <p:cNvPr id="1" name=""/>
+        <p:cNvGrpSpPr/>
+        <p:nvPr/>
+      </p:nvGrpSpPr>
+      <p:grpSpPr>
+        <a:xfrm>
+          <a:off x="0" y="0"/>
+          <a:ext cx="0" cy="0"/>
+          <a:chOff x="0" y="0"/>
+          <a:chExt cx="0" cy="0"/>
+        </a:xfrm>
+      </p:grpSpPr>
+      <p:sp>
+        <p:nvSpPr>
+          <p:cNvPr id="2" name="Title 1">
+            <a:extLst>
+              <a:ext uri="{FF2B5EF4-FFF2-40B4-BE49-F238E27FC236}">
+                <a16:creationId xmlns:a16="http://schemas.microsoft.com/office/drawing/2014/main" id="{DFA1A692-B9D3-441A-BFF5-09462D9C302D}"/>
+              </a:ext>
+            </a:extLst>
+          </p:cNvPr>
+          <p:cNvSpPr>
+            <a:spLocks noGrp="1"/>
+          </p:cNvSpPr>
+          <p:nvPr>
+            <p:ph type="title"/>
+          </p:nvPr>
+        </p:nvSpPr>
+        <p:spPr/>
+        <p:txBody>
+          <a:bodyPr/>
+          <a:lstStyle/>
+          <a:p>
+            <a:r>
+              <a:rPr lang="en-US" dirty="0"/>
+              <a:t>IV. Model</a:t>
+            </a:r>
+          </a:p>
+        </p:txBody>
+      </p:sp>
+      <p:sp>
+        <p:nvSpPr>
+          <p:cNvPr id="3" name="Content Placeholder 2">
+            <a:extLst>
+              <a:ext uri="{FF2B5EF4-FFF2-40B4-BE49-F238E27FC236}">
+                <a16:creationId xmlns:a16="http://schemas.microsoft.com/office/drawing/2014/main" id="{589B3D16-4AD2-421E-909C-946D88BA6E2A}"/>
+              </a:ext>
+            </a:extLst>
+          </p:cNvPr>
+          <p:cNvSpPr>
+            <a:spLocks noGrp="1"/>
+          </p:cNvSpPr>
+          <p:nvPr>
+            <p:ph idx="1"/>
+          </p:nvPr>
+        </p:nvSpPr>
+        <p:spPr/>
+        <p:txBody>
+          <a:bodyPr/>
+          <a:lstStyle/>
+          <a:p>
+            <a:r>
+              <a:rPr lang="en-US" dirty="0"/>
+              <a:t>Preprocess :</a:t>
+            </a:r>
+          </a:p>
+          <a:p>
+            <a:r>
+              <a:rPr lang="en-US" dirty="0"/>
+              <a:t>+ Eliminate outlier</a:t>
+            </a:r>
+          </a:p>
+        </p:txBody>
+      </p:sp>
+      <p:pic>
+        <p:nvPicPr>
+          <p:cNvPr id="5" name="Picture 4">
+            <a:extLst>
+              <a:ext uri="{FF2B5EF4-FFF2-40B4-BE49-F238E27FC236}">
+                <a16:creationId xmlns:a16="http://schemas.microsoft.com/office/drawing/2014/main" id="{46A3EB8C-AEEE-4415-B77A-65C2346446A4}"/>
+              </a:ext>
+            </a:extLst>
+          </p:cNvPr>
+          <p:cNvPicPr>
+            <a:picLocks noChangeAspect="1"/>
+          </p:cNvPicPr>
+          <p:nvPr/>
+        </p:nvPicPr>
+        <p:blipFill>
+          <a:blip r:embed="rId2"/>
+          <a:stretch>
+            <a:fillRect/>
+          </a:stretch>
+        </p:blipFill>
+        <p:spPr>
+          <a:xfrm>
+            <a:off x="723900" y="2836862"/>
+            <a:ext cx="10458450" cy="3495675"/>
+          </a:xfrm>
+          <a:prstGeom prst="rect">
+            <a:avLst/>
+          </a:prstGeom>
+        </p:spPr>
+      </p:pic>
+    </p:spTree>
+    <p:extLst>
+      <p:ext uri="{BB962C8B-B14F-4D97-AF65-F5344CB8AC3E}">
+        <p14:creationId xmlns:p14="http://schemas.microsoft.com/office/powerpoint/2010/main" val="277997811"/>
+      </p:ext>
+    </p:extLst>
+  </p:cSld>
+  <p:clrMapOvr>
+    <a:masterClrMapping/>
+  </p:clrMapOvr>
+</p:sld>
+</file>
+
+<file path=ppt/slides/slide8.xml><?xml version="1.0" encoding="utf-8"?>
+<p:sld xmlns:a="http://schemas.openxmlformats.org/drawingml/2006/main" xmlns:r="http://schemas.openxmlformats.org/officeDocument/2006/relationships" xmlns:p="http://schemas.openxmlformats.org/presentationml/2006/main">
+  <p:cSld>
+    <p:spTree>
+      <p:nvGrpSpPr>
+        <p:cNvPr id="1" name=""/>
+        <p:cNvGrpSpPr/>
+        <p:nvPr/>
+      </p:nvGrpSpPr>
+      <p:grpSpPr>
+        <a:xfrm>
+          <a:off x="0" y="0"/>
+          <a:ext cx="0" cy="0"/>
+          <a:chOff x="0" y="0"/>
+          <a:chExt cx="0" cy="0"/>
+        </a:xfrm>
+      </p:grpSpPr>
+      <p:sp>
+        <p:nvSpPr>
+          <p:cNvPr id="2" name="Title 1">
+            <a:extLst>
+              <a:ext uri="{FF2B5EF4-FFF2-40B4-BE49-F238E27FC236}">
+                <a16:creationId xmlns:a16="http://schemas.microsoft.com/office/drawing/2014/main" id="{DFA1A692-B9D3-441A-BFF5-09462D9C302D}"/>
+              </a:ext>
+            </a:extLst>
+          </p:cNvPr>
+          <p:cNvSpPr>
+            <a:spLocks noGrp="1"/>
+          </p:cNvSpPr>
+          <p:nvPr>
+            <p:ph type="title"/>
+          </p:nvPr>
+        </p:nvSpPr>
+        <p:spPr/>
+        <p:txBody>
+          <a:bodyPr/>
+          <a:lstStyle/>
+          <a:p>
+            <a:r>
+              <a:rPr lang="en-US" dirty="0"/>
+              <a:t>IV. Model</a:t>
+            </a:r>
+          </a:p>
+        </p:txBody>
+      </p:sp>
+      <p:sp>
+        <p:nvSpPr>
+          <p:cNvPr id="3" name="Content Placeholder 2">
+            <a:extLst>
+              <a:ext uri="{FF2B5EF4-FFF2-40B4-BE49-F238E27FC236}">
+                <a16:creationId xmlns:a16="http://schemas.microsoft.com/office/drawing/2014/main" id="{589B3D16-4AD2-421E-909C-946D88BA6E2A}"/>
+              </a:ext>
+            </a:extLst>
+          </p:cNvPr>
+          <p:cNvSpPr>
+            <a:spLocks noGrp="1"/>
+          </p:cNvSpPr>
+          <p:nvPr>
+            <p:ph idx="1"/>
+          </p:nvPr>
+        </p:nvSpPr>
+        <p:spPr/>
+        <p:txBody>
+          <a:bodyPr/>
+          <a:lstStyle/>
+          <a:p>
+            <a:r>
+              <a:rPr lang="en-US" dirty="0"/>
+              <a:t>Split data : </a:t>
+            </a:r>
+          </a:p>
+          <a:p>
+            <a:r>
+              <a:rPr lang="en-US" dirty="0"/>
+              <a:t>+ train : 80%</a:t>
+            </a:r>
+          </a:p>
+          <a:p>
+            <a:r>
+              <a:rPr lang="en-US" dirty="0"/>
+              <a:t>+ validation : 10%</a:t>
+            </a:r>
+          </a:p>
+          <a:p>
+            <a:r>
+              <a:rPr lang="en-US" dirty="0"/>
+              <a:t>+ test : 10%</a:t>
+            </a:r>
+          </a:p>
+          <a:p>
+            <a:pPr marL="0" indent="0">
+              <a:buNone/>
+            </a:pPr>
+            <a:r>
+              <a:rPr lang="en-US" dirty="0"/>
+              <a:t> </a:t>
+            </a:r>
+          </a:p>
+        </p:txBody>
+      </p:sp>
+      <p:pic>
+        <p:nvPicPr>
+          <p:cNvPr id="5" name="Picture 4">
+            <a:extLst>
+              <a:ext uri="{FF2B5EF4-FFF2-40B4-BE49-F238E27FC236}">
+                <a16:creationId xmlns:a16="http://schemas.microsoft.com/office/drawing/2014/main" id="{98AEC3E1-758A-42F0-AAEA-BF0E89084E66}"/>
+              </a:ext>
+            </a:extLst>
+          </p:cNvPr>
+          <p:cNvPicPr>
+            <a:picLocks noChangeAspect="1"/>
+          </p:cNvPicPr>
+          <p:nvPr/>
+        </p:nvPicPr>
+        <p:blipFill>
+          <a:blip r:embed="rId2"/>
+          <a:stretch>
+            <a:fillRect/>
+          </a:stretch>
+        </p:blipFill>
+        <p:spPr>
+          <a:xfrm>
+            <a:off x="838200" y="4076700"/>
+            <a:ext cx="6637373" cy="1978025"/>
+          </a:xfrm>
+          <a:prstGeom prst="rect">
+            <a:avLst/>
+          </a:prstGeom>
+        </p:spPr>
+      </p:pic>
+    </p:spTree>
+    <p:extLst>
+      <p:ext uri="{BB962C8B-B14F-4D97-AF65-F5344CB8AC3E}">
+        <p14:creationId xmlns:p14="http://schemas.microsoft.com/office/powerpoint/2010/main" val="2628901096"/>
+      </p:ext>
+    </p:extLst>
+  </p:cSld>
+  <p:clrMapOvr>
+    <a:masterClrMapping/>
+  </p:clrMapOvr>
+</p:sld>
+</file>
+
+<file path=ppt/slides/slide9.xml><?xml version="1.0" encoding="utf-8"?>
+<p:sld xmlns:a="http://schemas.openxmlformats.org/drawingml/2006/main" xmlns:r="http://schemas.openxmlformats.org/officeDocument/2006/relationships" xmlns:p="http://schemas.openxmlformats.org/presentationml/2006/main">
+  <p:cSld>
+    <p:spTree>
+      <p:nvGrpSpPr>
+        <p:cNvPr id="1" name=""/>
+        <p:cNvGrpSpPr/>
+        <p:nvPr/>
+      </p:nvGrpSpPr>
+      <p:grpSpPr>
+        <a:xfrm>
+          <a:off x="0" y="0"/>
+          <a:ext cx="0" cy="0"/>
+          <a:chOff x="0" y="0"/>
+          <a:chExt cx="0" cy="0"/>
+        </a:xfrm>
+      </p:grpSpPr>
+      <p:sp>
+        <p:nvSpPr>
+          <p:cNvPr id="2" name="Title 1">
+            <a:extLst>
+              <a:ext uri="{FF2B5EF4-FFF2-40B4-BE49-F238E27FC236}">
+                <a16:creationId xmlns:a16="http://schemas.microsoft.com/office/drawing/2014/main" id="{DFA1A692-B9D3-441A-BFF5-09462D9C302D}"/>
+              </a:ext>
+            </a:extLst>
+          </p:cNvPr>
+          <p:cNvSpPr>
+            <a:spLocks noGrp="1"/>
+          </p:cNvSpPr>
+          <p:nvPr>
+            <p:ph type="title"/>
+          </p:nvPr>
+        </p:nvSpPr>
+        <p:spPr/>
+        <p:txBody>
+          <a:bodyPr/>
+          <a:lstStyle/>
+          <a:p>
+            <a:r>
+              <a:rPr lang="en-US" dirty="0"/>
+              <a:t>IV. Model</a:t>
+            </a:r>
+          </a:p>
+        </p:txBody>
+      </p:sp>
+      <p:sp>
+        <p:nvSpPr>
+          <p:cNvPr id="3" name="Content Placeholder 2">
+            <a:extLst>
+              <a:ext uri="{FF2B5EF4-FFF2-40B4-BE49-F238E27FC236}">
+                <a16:creationId xmlns:a16="http://schemas.microsoft.com/office/drawing/2014/main" id="{589B3D16-4AD2-421E-909C-946D88BA6E2A}"/>
+              </a:ext>
+            </a:extLst>
+          </p:cNvPr>
+          <p:cNvSpPr>
+            <a:spLocks noGrp="1"/>
+          </p:cNvSpPr>
+          <p:nvPr>
+            <p:ph idx="1"/>
+          </p:nvPr>
+        </p:nvSpPr>
+        <p:spPr/>
+        <p:txBody>
+          <a:bodyPr/>
+          <a:lstStyle/>
+          <a:p>
+            <a:r>
+              <a:rPr lang="en-US" dirty="0"/>
+              <a:t>Architect :</a:t>
+            </a:r>
+          </a:p>
+          <a:p>
+            <a:r>
+              <a:rPr lang="en-US" dirty="0"/>
+              <a:t>+ 4 Layer : 4 linear , 1 output.</a:t>
+            </a:r>
+          </a:p>
+          <a:p>
+            <a:r>
+              <a:rPr lang="en-US" dirty="0"/>
+              <a:t>+ Loss function : </a:t>
+            </a:r>
+            <a:r>
+              <a:rPr lang="en-US" dirty="0" err="1"/>
+              <a:t>MSEloss</a:t>
+            </a:r>
+            <a:r>
+              <a:rPr lang="en-US" dirty="0"/>
+              <a:t>.</a:t>
+            </a:r>
+          </a:p>
+          <a:p>
+            <a:r>
+              <a:rPr lang="en-US" dirty="0"/>
+              <a:t>+ No activation function.</a:t>
+            </a:r>
+          </a:p>
+        </p:txBody>
+      </p:sp>
+      <p:pic>
+        <p:nvPicPr>
+          <p:cNvPr id="8" name="Picture 7">
+            <a:extLst>
+              <a:ext uri="{FF2B5EF4-FFF2-40B4-BE49-F238E27FC236}">
+                <a16:creationId xmlns:a16="http://schemas.microsoft.com/office/drawing/2014/main" id="{E119656A-F31C-4FDB-ADA2-DC03C86BBC35}"/>
+              </a:ext>
+            </a:extLst>
+          </p:cNvPr>
+          <p:cNvPicPr>
+            <a:picLocks noChangeAspect="1"/>
+          </p:cNvPicPr>
+          <p:nvPr/>
+        </p:nvPicPr>
+        <p:blipFill>
+          <a:blip r:embed="rId2"/>
+          <a:stretch>
+            <a:fillRect/>
+          </a:stretch>
+        </p:blipFill>
+        <p:spPr>
+          <a:xfrm>
+            <a:off x="1133291" y="3863975"/>
+            <a:ext cx="4705350" cy="2447925"/>
+          </a:xfrm>
+          <a:prstGeom prst="rect">
+            <a:avLst/>
+          </a:prstGeom>
+        </p:spPr>
+      </p:pic>
+    </p:spTree>
+    <p:extLst>
+      <p:ext uri="{BB962C8B-B14F-4D97-AF65-F5344CB8AC3E}">
+        <p14:creationId xmlns:p14="http://schemas.microsoft.com/office/powerpoint/2010/main" val="3229105088"/>
       </p:ext>
     </p:extLst>
   </p:cSld>
